--- a/PPT/KwonHH/RODEO_Replay for Online Object Detection(3).pptx
+++ b/PPT/KwonHH/RODEO_Replay for Online Object Detection(3).pptx
@@ -5,7 +5,7 @@
     <p:sldMasterId id="2147483786" r:id="rId1"/>
   </p:sldMasterIdLst>
   <p:notesMasterIdLst>
-    <p:notesMasterId r:id="rId24"/>
+    <p:notesMasterId r:id="rId26"/>
   </p:notesMasterIdLst>
   <p:sldIdLst>
     <p:sldId id="260" r:id="rId2"/>
@@ -28,8 +28,10 @@
     <p:sldId id="305" r:id="rId19"/>
     <p:sldId id="326" r:id="rId20"/>
     <p:sldId id="304" r:id="rId21"/>
-    <p:sldId id="306" r:id="rId22"/>
-    <p:sldId id="284" r:id="rId23"/>
+    <p:sldId id="327" r:id="rId22"/>
+    <p:sldId id="328" r:id="rId23"/>
+    <p:sldId id="329" r:id="rId24"/>
+    <p:sldId id="284" r:id="rId25"/>
   </p:sldIdLst>
   <p:sldSz cx="12192000" cy="6858000"/>
   <p:notesSz cx="6858000" cy="9144000"/>
@@ -130,7 +132,7 @@
   </p:defaultTextStyle>
   <p:extLst>
     <p:ext uri="{EFAFB233-063F-42B5-8137-9DF3F51BA10A}">
-      <p15:sldGuideLst xmlns:p15="http://schemas.microsoft.com/office/powerpoint/2012/main" xmlns="">
+      <p15:sldGuideLst xmlns="" xmlns:p15="http://schemas.microsoft.com/office/powerpoint/2012/main">
         <p15:guide id="1" orient="horz" pos="2160" userDrawn="1">
           <p15:clr>
             <a:srgbClr val="A4A3A4"/>
@@ -6408,7 +6410,7 @@
           <p:cNvPr id="1024" name="슬라이드 번호 개체 틀 1023">
             <a:extLst>
               <a:ext uri="{FF2B5EF4-FFF2-40B4-BE49-F238E27FC236}">
-                <a16:creationId xmlns:a16="http://schemas.microsoft.com/office/drawing/2014/main" xmlns="" id="{D7ECFDE3-EB78-4198-B1C1-7576EBEBD0EA}"/>
+                <a16:creationId xmlns="" xmlns:a16="http://schemas.microsoft.com/office/drawing/2014/main" id="{D7ECFDE3-EB78-4198-B1C1-7576EBEBD0EA}"/>
               </a:ext>
             </a:extLst>
           </p:cNvPr>
@@ -6442,7 +6444,7 @@
           <p:cNvPr id="2" name="TextBox 1">
             <a:extLst>
               <a:ext uri="{FF2B5EF4-FFF2-40B4-BE49-F238E27FC236}">
-                <a16:creationId xmlns:a16="http://schemas.microsoft.com/office/drawing/2014/main" xmlns="" id="{592AB3E2-093B-4442-A4B6-E7C00B8613A2}"/>
+                <a16:creationId xmlns="" xmlns:a16="http://schemas.microsoft.com/office/drawing/2014/main" id="{592AB3E2-093B-4442-A4B6-E7C00B8613A2}"/>
               </a:ext>
             </a:extLst>
           </p:cNvPr>
@@ -6644,7 +6646,7 @@
           <p:cNvPr id="1024" name="슬라이드 번호 개체 틀 1023">
             <a:extLst>
               <a:ext uri="{FF2B5EF4-FFF2-40B4-BE49-F238E27FC236}">
-                <a16:creationId xmlns:a16="http://schemas.microsoft.com/office/drawing/2014/main" xmlns="" id="{D7ECFDE3-EB78-4198-B1C1-7576EBEBD0EA}"/>
+                <a16:creationId xmlns="" xmlns:a16="http://schemas.microsoft.com/office/drawing/2014/main" id="{D7ECFDE3-EB78-4198-B1C1-7576EBEBD0EA}"/>
               </a:ext>
             </a:extLst>
           </p:cNvPr>
@@ -6678,7 +6680,7 @@
           <p:cNvPr id="5" name="TextBox 4">
             <a:extLst>
               <a:ext uri="{FF2B5EF4-FFF2-40B4-BE49-F238E27FC236}">
-                <a16:creationId xmlns:a16="http://schemas.microsoft.com/office/drawing/2014/main" xmlns="" id="{18478785-7455-426F-B501-DBA892B7AE1C}"/>
+                <a16:creationId xmlns="" xmlns:a16="http://schemas.microsoft.com/office/drawing/2014/main" id="{18478785-7455-426F-B501-DBA892B7AE1C}"/>
               </a:ext>
             </a:extLst>
           </p:cNvPr>
@@ -6810,7 +6812,7 @@
           <p:cNvPr id="1024" name="슬라이드 번호 개체 틀 1023">
             <a:extLst>
               <a:ext uri="{FF2B5EF4-FFF2-40B4-BE49-F238E27FC236}">
-                <a16:creationId xmlns:a16="http://schemas.microsoft.com/office/drawing/2014/main" xmlns="" id="{D7ECFDE3-EB78-4198-B1C1-7576EBEBD0EA}"/>
+                <a16:creationId xmlns="" xmlns:a16="http://schemas.microsoft.com/office/drawing/2014/main" id="{D7ECFDE3-EB78-4198-B1C1-7576EBEBD0EA}"/>
               </a:ext>
             </a:extLst>
           </p:cNvPr>
@@ -6844,7 +6846,7 @@
           <p:cNvPr id="62" name="직사각형 61">
             <a:extLst>
               <a:ext uri="{FF2B5EF4-FFF2-40B4-BE49-F238E27FC236}">
-                <a16:creationId xmlns:a16="http://schemas.microsoft.com/office/drawing/2014/main" xmlns="" id="{70B01BF8-29D3-4D23-BC64-0489F3113852}"/>
+                <a16:creationId xmlns="" xmlns:a16="http://schemas.microsoft.com/office/drawing/2014/main" id="{70B01BF8-29D3-4D23-BC64-0489F3113852}"/>
               </a:ext>
             </a:extLst>
           </p:cNvPr>
@@ -7023,16 +7025,7 @@
                 </a:solidFill>
                 <a:latin typeface="+mn-ea"/>
               </a:rPr>
-              <a:t>의 절반에 </a:t>
-            </a:r>
-            <a:r>
-              <a:rPr lang="ko-KR" altLang="en-US" dirty="0" smtClean="0">
-                <a:solidFill>
-                  <a:schemeClr val="bg1"/>
-                </a:solidFill>
-                <a:latin typeface="+mn-ea"/>
-              </a:rPr>
-              <a:t>대해서만 </a:t>
+              <a:t>의 절반에 대해서만 </a:t>
             </a:r>
             <a:r>
               <a:rPr lang="en-US" altLang="ko-KR" dirty="0" smtClean="0">
@@ -7202,7 +7195,7 @@
           <p:cNvPr id="13" name="직사각형 12">
             <a:extLst>
               <a:ext uri="{FF2B5EF4-FFF2-40B4-BE49-F238E27FC236}">
-                <a16:creationId xmlns:a16="http://schemas.microsoft.com/office/drawing/2014/main" xmlns="" id="{5F0B186A-DCA6-449E-954A-F4F42CC0D592}"/>
+                <a16:creationId xmlns="" xmlns:a16="http://schemas.microsoft.com/office/drawing/2014/main" id="{5F0B186A-DCA6-449E-954A-F4F42CC0D592}"/>
               </a:ext>
             </a:extLst>
           </p:cNvPr>
@@ -7375,7 +7368,7 @@
           <p:cNvPr id="1024" name="슬라이드 번호 개체 틀 1023">
             <a:extLst>
               <a:ext uri="{FF2B5EF4-FFF2-40B4-BE49-F238E27FC236}">
-                <a16:creationId xmlns:a16="http://schemas.microsoft.com/office/drawing/2014/main" xmlns="" id="{D7ECFDE3-EB78-4198-B1C1-7576EBEBD0EA}"/>
+                <a16:creationId xmlns="" xmlns:a16="http://schemas.microsoft.com/office/drawing/2014/main" id="{D7ECFDE3-EB78-4198-B1C1-7576EBEBD0EA}"/>
               </a:ext>
             </a:extLst>
           </p:cNvPr>
@@ -7409,7 +7402,7 @@
           <p:cNvPr id="62" name="직사각형 61">
             <a:extLst>
               <a:ext uri="{FF2B5EF4-FFF2-40B4-BE49-F238E27FC236}">
-                <a16:creationId xmlns:a16="http://schemas.microsoft.com/office/drawing/2014/main" xmlns="" id="{70B01BF8-29D3-4D23-BC64-0489F3113852}"/>
+                <a16:creationId xmlns="" xmlns:a16="http://schemas.microsoft.com/office/drawing/2014/main" id="{70B01BF8-29D3-4D23-BC64-0489F3113852}"/>
               </a:ext>
             </a:extLst>
           </p:cNvPr>
@@ -7525,7 +7518,16 @@
                 </a:solidFill>
                 <a:latin typeface="+mn-ea"/>
               </a:rPr>
-              <a:t>2&gt; </a:t>
+              <a:t>2&gt; G</a:t>
+            </a:r>
+            <a:r>
+              <a:rPr lang="ko-KR" altLang="en-US" dirty="0" smtClean="0">
+                <a:solidFill>
+                  <a:schemeClr val="bg1"/>
+                </a:solidFill>
+                <a:latin typeface="+mn-ea"/>
+              </a:rPr>
+              <a:t>의 출력</a:t>
             </a:r>
             <a:r>
               <a:rPr lang="en-US" altLang="ko-KR" dirty="0" smtClean="0">
@@ -7534,34 +7536,7 @@
                 </a:solidFill>
                 <a:latin typeface="+mn-ea"/>
               </a:rPr>
-              <a:t>G</a:t>
-            </a:r>
-            <a:r>
-              <a:rPr lang="ko-KR" altLang="en-US" dirty="0" smtClean="0">
-                <a:solidFill>
-                  <a:schemeClr val="bg1"/>
-                </a:solidFill>
-                <a:latin typeface="+mn-ea"/>
-              </a:rPr>
-              <a:t>의 출력</a:t>
-            </a:r>
-            <a:r>
-              <a:rPr lang="en-US" altLang="ko-KR" dirty="0" smtClean="0">
-                <a:solidFill>
-                  <a:schemeClr val="bg1"/>
-                </a:solidFill>
-                <a:latin typeface="+mn-ea"/>
-              </a:rPr>
-              <a:t>(</a:t>
-            </a:r>
-            <a:r>
-              <a:rPr lang="en-US" altLang="ko-KR" dirty="0" smtClean="0">
-                <a:solidFill>
-                  <a:schemeClr val="bg1"/>
-                </a:solidFill>
-                <a:latin typeface="+mn-ea"/>
-              </a:rPr>
-              <a:t>feature </a:t>
+              <a:t>(feature </a:t>
             </a:r>
             <a:r>
               <a:rPr lang="en-US" altLang="ko-KR" dirty="0">
@@ -7671,7 +7646,7 @@
           <p:cNvPr id="13" name="직사각형 12">
             <a:extLst>
               <a:ext uri="{FF2B5EF4-FFF2-40B4-BE49-F238E27FC236}">
-                <a16:creationId xmlns:a16="http://schemas.microsoft.com/office/drawing/2014/main" xmlns="" id="{5F0B186A-DCA6-449E-954A-F4F42CC0D592}"/>
+                <a16:creationId xmlns="" xmlns:a16="http://schemas.microsoft.com/office/drawing/2014/main" id="{5F0B186A-DCA6-449E-954A-F4F42CC0D592}"/>
               </a:ext>
             </a:extLst>
           </p:cNvPr>
@@ -7844,7 +7819,7 @@
           <p:cNvPr id="1024" name="슬라이드 번호 개체 틀 1023">
             <a:extLst>
               <a:ext uri="{FF2B5EF4-FFF2-40B4-BE49-F238E27FC236}">
-                <a16:creationId xmlns:a16="http://schemas.microsoft.com/office/drawing/2014/main" xmlns="" id="{D7ECFDE3-EB78-4198-B1C1-7576EBEBD0EA}"/>
+                <a16:creationId xmlns="" xmlns:a16="http://schemas.microsoft.com/office/drawing/2014/main" id="{D7ECFDE3-EB78-4198-B1C1-7576EBEBD0EA}"/>
               </a:ext>
             </a:extLst>
           </p:cNvPr>
@@ -7878,7 +7853,7 @@
           <p:cNvPr id="62" name="직사각형 61">
             <a:extLst>
               <a:ext uri="{FF2B5EF4-FFF2-40B4-BE49-F238E27FC236}">
-                <a16:creationId xmlns:a16="http://schemas.microsoft.com/office/drawing/2014/main" xmlns="" id="{70B01BF8-29D3-4D23-BC64-0489F3113852}"/>
+                <a16:creationId xmlns="" xmlns:a16="http://schemas.microsoft.com/office/drawing/2014/main" id="{70B01BF8-29D3-4D23-BC64-0489F3113852}"/>
               </a:ext>
             </a:extLst>
           </p:cNvPr>
@@ -8112,16 +8087,7 @@
                 </a:solidFill>
                 <a:latin typeface="+mn-ea"/>
               </a:rPr>
-              <a:t>한 뒤 </a:t>
-            </a:r>
-            <a:r>
-              <a:rPr lang="ko-KR" altLang="en-US" dirty="0" smtClean="0">
-                <a:solidFill>
-                  <a:schemeClr val="bg1"/>
-                </a:solidFill>
-                <a:latin typeface="+mn-ea"/>
-              </a:rPr>
-              <a:t>저장</a:t>
+              <a:t>한 뒤 저장</a:t>
             </a:r>
             <a:endParaRPr lang="en-US" altLang="ko-KR" dirty="0" smtClean="0">
               <a:solidFill>
@@ -8235,7 +8201,7 @@
           <p:cNvPr id="13" name="직사각형 12">
             <a:extLst>
               <a:ext uri="{FF2B5EF4-FFF2-40B4-BE49-F238E27FC236}">
-                <a16:creationId xmlns:a16="http://schemas.microsoft.com/office/drawing/2014/main" xmlns="" id="{5F0B186A-DCA6-449E-954A-F4F42CC0D592}"/>
+                <a16:creationId xmlns="" xmlns:a16="http://schemas.microsoft.com/office/drawing/2014/main" id="{5F0B186A-DCA6-449E-954A-F4F42CC0D592}"/>
               </a:ext>
             </a:extLst>
           </p:cNvPr>
@@ -8408,7 +8374,7 @@
           <p:cNvPr id="1024" name="슬라이드 번호 개체 틀 1023">
             <a:extLst>
               <a:ext uri="{FF2B5EF4-FFF2-40B4-BE49-F238E27FC236}">
-                <a16:creationId xmlns:a16="http://schemas.microsoft.com/office/drawing/2014/main" xmlns="" id="{D7ECFDE3-EB78-4198-B1C1-7576EBEBD0EA}"/>
+                <a16:creationId xmlns="" xmlns:a16="http://schemas.microsoft.com/office/drawing/2014/main" id="{D7ECFDE3-EB78-4198-B1C1-7576EBEBD0EA}"/>
               </a:ext>
             </a:extLst>
           </p:cNvPr>
@@ -8442,7 +8408,7 @@
           <p:cNvPr id="62" name="직사각형 61">
             <a:extLst>
               <a:ext uri="{FF2B5EF4-FFF2-40B4-BE49-F238E27FC236}">
-                <a16:creationId xmlns:a16="http://schemas.microsoft.com/office/drawing/2014/main" xmlns="" id="{70B01BF8-29D3-4D23-BC64-0489F3113852}"/>
+                <a16:creationId xmlns="" xmlns:a16="http://schemas.microsoft.com/office/drawing/2014/main" id="{70B01BF8-29D3-4D23-BC64-0489F3113852}"/>
               </a:ext>
             </a:extLst>
           </p:cNvPr>
@@ -8660,7 +8626,7 @@
           <p:cNvPr id="13" name="직사각형 12">
             <a:extLst>
               <a:ext uri="{FF2B5EF4-FFF2-40B4-BE49-F238E27FC236}">
-                <a16:creationId xmlns:a16="http://schemas.microsoft.com/office/drawing/2014/main" xmlns="" id="{5F0B186A-DCA6-449E-954A-F4F42CC0D592}"/>
+                <a16:creationId xmlns="" xmlns:a16="http://schemas.microsoft.com/office/drawing/2014/main" id="{5F0B186A-DCA6-449E-954A-F4F42CC0D592}"/>
               </a:ext>
             </a:extLst>
           </p:cNvPr>
@@ -8833,7 +8799,7 @@
           <p:cNvPr id="1024" name="슬라이드 번호 개체 틀 1023">
             <a:extLst>
               <a:ext uri="{FF2B5EF4-FFF2-40B4-BE49-F238E27FC236}">
-                <a16:creationId xmlns:a16="http://schemas.microsoft.com/office/drawing/2014/main" xmlns="" id="{D7ECFDE3-EB78-4198-B1C1-7576EBEBD0EA}"/>
+                <a16:creationId xmlns="" xmlns:a16="http://schemas.microsoft.com/office/drawing/2014/main" id="{D7ECFDE3-EB78-4198-B1C1-7576EBEBD0EA}"/>
               </a:ext>
             </a:extLst>
           </p:cNvPr>
@@ -8867,7 +8833,7 @@
           <p:cNvPr id="62" name="직사각형 61">
             <a:extLst>
               <a:ext uri="{FF2B5EF4-FFF2-40B4-BE49-F238E27FC236}">
-                <a16:creationId xmlns:a16="http://schemas.microsoft.com/office/drawing/2014/main" xmlns="" id="{70B01BF8-29D3-4D23-BC64-0489F3113852}"/>
+                <a16:creationId xmlns="" xmlns:a16="http://schemas.microsoft.com/office/drawing/2014/main" id="{70B01BF8-29D3-4D23-BC64-0489F3113852}"/>
               </a:ext>
             </a:extLst>
           </p:cNvPr>
@@ -9120,7 +9086,7 @@
           <p:cNvPr id="13" name="직사각형 12">
             <a:extLst>
               <a:ext uri="{FF2B5EF4-FFF2-40B4-BE49-F238E27FC236}">
-                <a16:creationId xmlns:a16="http://schemas.microsoft.com/office/drawing/2014/main" xmlns="" id="{5F0B186A-DCA6-449E-954A-F4F42CC0D592}"/>
+                <a16:creationId xmlns="" xmlns:a16="http://schemas.microsoft.com/office/drawing/2014/main" id="{5F0B186A-DCA6-449E-954A-F4F42CC0D592}"/>
               </a:ext>
             </a:extLst>
           </p:cNvPr>
@@ -9416,7 +9382,7 @@
           <p:cNvPr id="1024" name="슬라이드 번호 개체 틀 1023">
             <a:extLst>
               <a:ext uri="{FF2B5EF4-FFF2-40B4-BE49-F238E27FC236}">
-                <a16:creationId xmlns:a16="http://schemas.microsoft.com/office/drawing/2014/main" xmlns="" id="{D7ECFDE3-EB78-4198-B1C1-7576EBEBD0EA}"/>
+                <a16:creationId xmlns="" xmlns:a16="http://schemas.microsoft.com/office/drawing/2014/main" id="{D7ECFDE3-EB78-4198-B1C1-7576EBEBD0EA}"/>
               </a:ext>
             </a:extLst>
           </p:cNvPr>
@@ -9450,7 +9416,7 @@
           <p:cNvPr id="62" name="직사각형 61">
             <a:extLst>
               <a:ext uri="{FF2B5EF4-FFF2-40B4-BE49-F238E27FC236}">
-                <a16:creationId xmlns:a16="http://schemas.microsoft.com/office/drawing/2014/main" xmlns="" id="{70B01BF8-29D3-4D23-BC64-0489F3113852}"/>
+                <a16:creationId xmlns="" xmlns:a16="http://schemas.microsoft.com/office/drawing/2014/main" id="{70B01BF8-29D3-4D23-BC64-0489F3113852}"/>
               </a:ext>
             </a:extLst>
           </p:cNvPr>
@@ -9722,7 +9688,7 @@
           <p:cNvPr id="13" name="직사각형 12">
             <a:extLst>
               <a:ext uri="{FF2B5EF4-FFF2-40B4-BE49-F238E27FC236}">
-                <a16:creationId xmlns:a16="http://schemas.microsoft.com/office/drawing/2014/main" xmlns="" id="{5F0B186A-DCA6-449E-954A-F4F42CC0D592}"/>
+                <a16:creationId xmlns="" xmlns:a16="http://schemas.microsoft.com/office/drawing/2014/main" id="{5F0B186A-DCA6-449E-954A-F4F42CC0D592}"/>
               </a:ext>
             </a:extLst>
           </p:cNvPr>
@@ -10018,7 +9984,7 @@
           <p:cNvPr id="1024" name="슬라이드 번호 개체 틀 1023">
             <a:extLst>
               <a:ext uri="{FF2B5EF4-FFF2-40B4-BE49-F238E27FC236}">
-                <a16:creationId xmlns:a16="http://schemas.microsoft.com/office/drawing/2014/main" xmlns="" id="{D7ECFDE3-EB78-4198-B1C1-7576EBEBD0EA}"/>
+                <a16:creationId xmlns="" xmlns:a16="http://schemas.microsoft.com/office/drawing/2014/main" id="{D7ECFDE3-EB78-4198-B1C1-7576EBEBD0EA}"/>
               </a:ext>
             </a:extLst>
           </p:cNvPr>
@@ -10052,7 +10018,7 @@
           <p:cNvPr id="62" name="직사각형 61">
             <a:extLst>
               <a:ext uri="{FF2B5EF4-FFF2-40B4-BE49-F238E27FC236}">
-                <a16:creationId xmlns:a16="http://schemas.microsoft.com/office/drawing/2014/main" xmlns="" id="{70B01BF8-29D3-4D23-BC64-0489F3113852}"/>
+                <a16:creationId xmlns="" xmlns:a16="http://schemas.microsoft.com/office/drawing/2014/main" id="{70B01BF8-29D3-4D23-BC64-0489F3113852}"/>
               </a:ext>
             </a:extLst>
           </p:cNvPr>
@@ -10278,7 +10244,7 @@
           <p:cNvPr id="13" name="직사각형 12">
             <a:extLst>
               <a:ext uri="{FF2B5EF4-FFF2-40B4-BE49-F238E27FC236}">
-                <a16:creationId xmlns:a16="http://schemas.microsoft.com/office/drawing/2014/main" xmlns="" id="{5F0B186A-DCA6-449E-954A-F4F42CC0D592}"/>
+                <a16:creationId xmlns="" xmlns:a16="http://schemas.microsoft.com/office/drawing/2014/main" id="{5F0B186A-DCA6-449E-954A-F4F42CC0D592}"/>
               </a:ext>
             </a:extLst>
           </p:cNvPr>
@@ -10574,7 +10540,7 @@
           <p:cNvPr id="1024" name="슬라이드 번호 개체 틀 1023">
             <a:extLst>
               <a:ext uri="{FF2B5EF4-FFF2-40B4-BE49-F238E27FC236}">
-                <a16:creationId xmlns:a16="http://schemas.microsoft.com/office/drawing/2014/main" xmlns="" id="{D7ECFDE3-EB78-4198-B1C1-7576EBEBD0EA}"/>
+                <a16:creationId xmlns="" xmlns:a16="http://schemas.microsoft.com/office/drawing/2014/main" id="{D7ECFDE3-EB78-4198-B1C1-7576EBEBD0EA}"/>
               </a:ext>
             </a:extLst>
           </p:cNvPr>
@@ -10608,7 +10574,7 @@
           <p:cNvPr id="5" name="TextBox 4">
             <a:extLst>
               <a:ext uri="{FF2B5EF4-FFF2-40B4-BE49-F238E27FC236}">
-                <a16:creationId xmlns:a16="http://schemas.microsoft.com/office/drawing/2014/main" xmlns="" id="{18478785-7455-426F-B501-DBA892B7AE1C}"/>
+                <a16:creationId xmlns="" xmlns:a16="http://schemas.microsoft.com/office/drawing/2014/main" id="{18478785-7455-426F-B501-DBA892B7AE1C}"/>
               </a:ext>
             </a:extLst>
           </p:cNvPr>
@@ -10740,7 +10706,7 @@
           <p:cNvPr id="129" name="직사각형 128">
             <a:extLst>
               <a:ext uri="{FF2B5EF4-FFF2-40B4-BE49-F238E27FC236}">
-                <a16:creationId xmlns:a16="http://schemas.microsoft.com/office/drawing/2014/main" xmlns="" id="{5F0B186A-DCA6-449E-954A-F4F42CC0D592}"/>
+                <a16:creationId xmlns="" xmlns:a16="http://schemas.microsoft.com/office/drawing/2014/main" id="{5F0B186A-DCA6-449E-954A-F4F42CC0D592}"/>
               </a:ext>
             </a:extLst>
           </p:cNvPr>
@@ -10814,7 +10780,7 @@
           <p:cNvPr id="1024" name="슬라이드 번호 개체 틀 1023">
             <a:extLst>
               <a:ext uri="{FF2B5EF4-FFF2-40B4-BE49-F238E27FC236}">
-                <a16:creationId xmlns:a16="http://schemas.microsoft.com/office/drawing/2014/main" xmlns="" id="{D7ECFDE3-EB78-4198-B1C1-7576EBEBD0EA}"/>
+                <a16:creationId xmlns="" xmlns:a16="http://schemas.microsoft.com/office/drawing/2014/main" id="{D7ECFDE3-EB78-4198-B1C1-7576EBEBD0EA}"/>
               </a:ext>
             </a:extLst>
           </p:cNvPr>
@@ -10848,7 +10814,7 @@
           <p:cNvPr id="62" name="직사각형 61">
             <a:extLst>
               <a:ext uri="{FF2B5EF4-FFF2-40B4-BE49-F238E27FC236}">
-                <a16:creationId xmlns:a16="http://schemas.microsoft.com/office/drawing/2014/main" xmlns="" id="{70B01BF8-29D3-4D23-BC64-0489F3113852}"/>
+                <a16:creationId xmlns="" xmlns:a16="http://schemas.microsoft.com/office/drawing/2014/main" id="{70B01BF8-29D3-4D23-BC64-0489F3113852}"/>
               </a:ext>
             </a:extLst>
           </p:cNvPr>
@@ -11192,16 +11158,7 @@
                 </a:solidFill>
                 <a:latin typeface="+mn-ea"/>
               </a:rPr>
-              <a:t>공평한 </a:t>
-            </a:r>
-            <a:r>
-              <a:rPr lang="ko-KR" altLang="en-US" sz="1600" dirty="0" smtClean="0">
-                <a:solidFill>
-                  <a:schemeClr val="bg1"/>
-                </a:solidFill>
-                <a:latin typeface="+mn-ea"/>
-              </a:rPr>
-              <a:t>비교를 위해 </a:t>
+              <a:t>공평한 비교를 위해 </a:t>
             </a:r>
             <a:r>
               <a:rPr lang="en-US" altLang="ko-KR" sz="1600" dirty="0" smtClean="0">
@@ -11334,16 +11291,7 @@
                 </a:solidFill>
                 <a:latin typeface="+mn-ea"/>
               </a:rPr>
-              <a:t>1 </a:t>
-            </a:r>
-            <a:r>
-              <a:rPr lang="en-US" altLang="ko-KR" sz="1600" dirty="0" smtClean="0">
-                <a:solidFill>
-                  <a:schemeClr val="bg1"/>
-                </a:solidFill>
-                <a:latin typeface="+mn-ea"/>
-              </a:rPr>
-              <a:t>epoch</a:t>
+              <a:t>1 epoch</a:t>
             </a:r>
           </a:p>
           <a:p>
@@ -11738,7 +11686,7 @@
           <p:cNvPr id="129" name="직사각형 128">
             <a:extLst>
               <a:ext uri="{FF2B5EF4-FFF2-40B4-BE49-F238E27FC236}">
-                <a16:creationId xmlns:a16="http://schemas.microsoft.com/office/drawing/2014/main" xmlns="" id="{5F0B186A-DCA6-449E-954A-F4F42CC0D592}"/>
+                <a16:creationId xmlns="" xmlns:a16="http://schemas.microsoft.com/office/drawing/2014/main" id="{5F0B186A-DCA6-449E-954A-F4F42CC0D592}"/>
               </a:ext>
             </a:extLst>
           </p:cNvPr>
@@ -11800,7 +11748,7 @@
           <p:cNvPr id="122" name="직사각형 121">
             <a:extLst>
               <a:ext uri="{FF2B5EF4-FFF2-40B4-BE49-F238E27FC236}">
-                <a16:creationId xmlns:a16="http://schemas.microsoft.com/office/drawing/2014/main" xmlns="" id="{70B01BF8-29D3-4D23-BC64-0489F3113852}"/>
+                <a16:creationId xmlns="" xmlns:a16="http://schemas.microsoft.com/office/drawing/2014/main" id="{70B01BF8-29D3-4D23-BC64-0489F3113852}"/>
               </a:ext>
             </a:extLst>
           </p:cNvPr>
@@ -11852,7 +11800,7 @@
           <p:cNvPr id="1024" name="슬라이드 번호 개체 틀 1023">
             <a:extLst>
               <a:ext uri="{FF2B5EF4-FFF2-40B4-BE49-F238E27FC236}">
-                <a16:creationId xmlns:a16="http://schemas.microsoft.com/office/drawing/2014/main" xmlns="" id="{D7ECFDE3-EB78-4198-B1C1-7576EBEBD0EA}"/>
+                <a16:creationId xmlns="" xmlns:a16="http://schemas.microsoft.com/office/drawing/2014/main" id="{D7ECFDE3-EB78-4198-B1C1-7576EBEBD0EA}"/>
               </a:ext>
             </a:extLst>
           </p:cNvPr>
@@ -11886,7 +11834,7 @@
           <p:cNvPr id="37" name="직사각형 36">
             <a:extLst>
               <a:ext uri="{FF2B5EF4-FFF2-40B4-BE49-F238E27FC236}">
-                <a16:creationId xmlns:a16="http://schemas.microsoft.com/office/drawing/2014/main" xmlns="" id="{17E6B71D-43B0-452B-BE7F-FE4F94903288}"/>
+                <a16:creationId xmlns="" xmlns:a16="http://schemas.microsoft.com/office/drawing/2014/main" id="{17E6B71D-43B0-452B-BE7F-FE4F94903288}"/>
               </a:ext>
             </a:extLst>
           </p:cNvPr>
@@ -12179,7 +12127,7 @@
           <p:cNvPr id="48" name="직사각형 47">
             <a:extLst>
               <a:ext uri="{FF2B5EF4-FFF2-40B4-BE49-F238E27FC236}">
-                <a16:creationId xmlns:a16="http://schemas.microsoft.com/office/drawing/2014/main" xmlns="" id="{1E5CC858-5656-4BF2-8E86-EE054A32BEDD}"/>
+                <a16:creationId xmlns="" xmlns:a16="http://schemas.microsoft.com/office/drawing/2014/main" id="{1E5CC858-5656-4BF2-8E86-EE054A32BEDD}"/>
               </a:ext>
             </a:extLst>
           </p:cNvPr>
@@ -12303,7 +12251,7 @@
           <p:cNvPr id="129" name="직사각형 128">
             <a:extLst>
               <a:ext uri="{FF2B5EF4-FFF2-40B4-BE49-F238E27FC236}">
-                <a16:creationId xmlns:a16="http://schemas.microsoft.com/office/drawing/2014/main" xmlns="" id="{5F0B186A-DCA6-449E-954A-F4F42CC0D592}"/>
+                <a16:creationId xmlns="" xmlns:a16="http://schemas.microsoft.com/office/drawing/2014/main" id="{5F0B186A-DCA6-449E-954A-F4F42CC0D592}"/>
               </a:ext>
             </a:extLst>
           </p:cNvPr>
@@ -12377,7 +12325,7 @@
           <p:cNvPr id="1024" name="슬라이드 번호 개체 틀 1023">
             <a:extLst>
               <a:ext uri="{FF2B5EF4-FFF2-40B4-BE49-F238E27FC236}">
-                <a16:creationId xmlns:a16="http://schemas.microsoft.com/office/drawing/2014/main" xmlns="" id="{D7ECFDE3-EB78-4198-B1C1-7576EBEBD0EA}"/>
+                <a16:creationId xmlns="" xmlns:a16="http://schemas.microsoft.com/office/drawing/2014/main" id="{D7ECFDE3-EB78-4198-B1C1-7576EBEBD0EA}"/>
               </a:ext>
             </a:extLst>
           </p:cNvPr>
@@ -12411,7 +12359,7 @@
           <p:cNvPr id="62" name="직사각형 61">
             <a:extLst>
               <a:ext uri="{FF2B5EF4-FFF2-40B4-BE49-F238E27FC236}">
-                <a16:creationId xmlns:a16="http://schemas.microsoft.com/office/drawing/2014/main" xmlns="" id="{70B01BF8-29D3-4D23-BC64-0489F3113852}"/>
+                <a16:creationId xmlns="" xmlns:a16="http://schemas.microsoft.com/office/drawing/2014/main" id="{70B01BF8-29D3-4D23-BC64-0489F3113852}"/>
               </a:ext>
             </a:extLst>
           </p:cNvPr>
@@ -12663,7 +12611,7 @@
       </p:sp>
       <p:pic>
         <p:nvPicPr>
-          <p:cNvPr id="2050" name="Picture 2" descr="C:\Users\사용자\PycharmProjects\lotte_studying\reference_image\KwonHH\RODEO_Replay for Online Object Detection\Tabel2_Incremental mAP results for several variants of RODEO.JPG"/>
+          <p:cNvPr id="4" name="Picture 2"/>
           <p:cNvPicPr>
             <a:picLocks noChangeAspect="1" noChangeArrowheads="1"/>
           </p:cNvPicPr>
@@ -12684,20 +12632,33 @@
         </p:blipFill>
         <p:spPr bwMode="auto">
           <a:xfrm>
-            <a:off x="3095334" y="2272140"/>
-            <a:ext cx="6001332" cy="3821156"/>
+            <a:off x="2891644" y="2433638"/>
+            <a:ext cx="5832648" cy="3371626"/>
           </a:xfrm>
           <a:prstGeom prst="rect">
             <a:avLst/>
           </a:prstGeom>
           <a:noFill/>
+          <a:ln>
+            <a:noFill/>
+          </a:ln>
           <a:extLst>
             <a:ext uri="{909E8E84-426E-40DD-AFC4-6F175D3DCCD1}">
               <a14:hiddenFill xmlns:a14="http://schemas.microsoft.com/office/drawing/2010/main">
                 <a:solidFill>
-                  <a:srgbClr val="FFFFFF"/>
+                  <a:schemeClr val="accent1"/>
                 </a:solidFill>
               </a14:hiddenFill>
+            </a:ext>
+            <a:ext uri="{91240B29-F687-4F45-9708-019B960494DF}">
+              <a14:hiddenLine xmlns:a14="http://schemas.microsoft.com/office/drawing/2010/main" w="9525">
+                <a:solidFill>
+                  <a:schemeClr val="tx1"/>
+                </a:solidFill>
+                <a:miter lim="800000"/>
+                <a:headEnd/>
+                <a:tailEnd/>
+              </a14:hiddenLine>
             </a:ext>
           </a:extLst>
         </p:spPr>
@@ -12741,10 +12702,176 @@
       </p:grpSpPr>
       <p:sp>
         <p:nvSpPr>
+          <p:cNvPr id="1024" name="슬라이드 번호 개체 틀 1023">
+            <a:extLst>
+              <a:ext uri="{FF2B5EF4-FFF2-40B4-BE49-F238E27FC236}">
+                <a16:creationId xmlns="" xmlns:a16="http://schemas.microsoft.com/office/drawing/2014/main" id="{D7ECFDE3-EB78-4198-B1C1-7576EBEBD0EA}"/>
+              </a:ext>
+            </a:extLst>
+          </p:cNvPr>
+          <p:cNvSpPr>
+            <a:spLocks noGrp="1"/>
+          </p:cNvSpPr>
+          <p:nvPr>
+            <p:ph type="sldNum" sz="quarter" idx="12"/>
+          </p:nvPr>
+        </p:nvSpPr>
+        <p:spPr>
+          <a:xfrm>
+            <a:off x="11234109" y="6388325"/>
+            <a:ext cx="753545" cy="365125"/>
+          </a:xfrm>
+        </p:spPr>
+        <p:txBody>
+          <a:bodyPr/>
+          <a:lstStyle/>
+          <a:p>
+            <a:fld id="{F4ABE7AD-7D80-45E6-9B72-991AAE1BF4C2}" type="slidenum">
+              <a:rPr lang="ko-KR" altLang="en-US" smtClean="0"/>
+              <a:t>21</a:t>
+            </a:fld>
+            <a:endParaRPr lang="ko-KR" altLang="en-US"/>
+          </a:p>
+        </p:txBody>
+      </p:sp>
+      <p:sp>
+        <p:nvSpPr>
+          <p:cNvPr id="5" name="TextBox 4">
+            <a:extLst>
+              <a:ext uri="{FF2B5EF4-FFF2-40B4-BE49-F238E27FC236}">
+                <a16:creationId xmlns="" xmlns:a16="http://schemas.microsoft.com/office/drawing/2014/main" id="{18478785-7455-426F-B501-DBA892B7AE1C}"/>
+              </a:ext>
+            </a:extLst>
+          </p:cNvPr>
+          <p:cNvSpPr txBox="1"/>
+          <p:nvPr/>
+        </p:nvSpPr>
+        <p:spPr>
+          <a:xfrm>
+            <a:off x="3566315" y="3167390"/>
+            <a:ext cx="5059398" cy="584775"/>
+          </a:xfrm>
+          <a:prstGeom prst="rect">
+            <a:avLst/>
+          </a:prstGeom>
+          <a:noFill/>
+        </p:spPr>
+        <p:txBody>
+          <a:bodyPr wrap="none" rtlCol="0">
+            <a:spAutoFit/>
+          </a:bodyPr>
+          <a:lstStyle/>
+          <a:p>
+            <a:pPr algn="ctr"/>
+            <a:r>
+              <a:rPr lang="en-US" altLang="ko-KR" sz="3200" b="1" dirty="0" smtClean="0">
+                <a:solidFill>
+                  <a:srgbClr val="FFFF00"/>
+                </a:solidFill>
+                <a:latin typeface="+mj-ea"/>
+                <a:ea typeface="+mj-ea"/>
+              </a:rPr>
+              <a:t>4.</a:t>
+            </a:r>
+            <a:r>
+              <a:rPr lang="en-US" altLang="ko-KR" sz="2800" b="1" dirty="0" smtClean="0">
+                <a:latin typeface="+mj-ea"/>
+                <a:ea typeface="+mj-ea"/>
+              </a:rPr>
+              <a:t> Classification </a:t>
+            </a:r>
+            <a:r>
+              <a:rPr lang="ko-KR" altLang="en-US" sz="2800" b="1" dirty="0" smtClean="0">
+                <a:latin typeface="+mj-ea"/>
+                <a:ea typeface="+mj-ea"/>
+              </a:rPr>
+              <a:t>실습 및 결과</a:t>
+            </a:r>
+            <a:endParaRPr lang="ko-KR" altLang="en-US" sz="2800" b="1" dirty="0">
+              <a:latin typeface="+mj-ea"/>
+              <a:ea typeface="+mj-ea"/>
+            </a:endParaRPr>
+          </a:p>
+        </p:txBody>
+      </p:sp>
+      <p:pic>
+        <p:nvPicPr>
+          <p:cNvPr id="4" name="Picture 2" descr="롯데정보통신, '랄프체인'으로 블록체인 Si 솔루션 도전"/>
+          <p:cNvPicPr>
+            <a:picLocks noChangeAspect="1" noChangeArrowheads="1"/>
+          </p:cNvPicPr>
+          <p:nvPr/>
+        </p:nvPicPr>
+        <p:blipFill rotWithShape="1">
+          <a:blip r:embed="rId2" cstate="print">
+            <a:extLst>
+              <a:ext uri="{28A0092B-C50C-407E-A947-70E740481C1C}">
+                <a14:useLocalDpi xmlns:a14="http://schemas.microsoft.com/office/drawing/2010/main" val="0"/>
+              </a:ext>
+            </a:extLst>
+          </a:blip>
+          <a:srcRect t="20471"/>
+          <a:stretch/>
+        </p:blipFill>
+        <p:spPr bwMode="auto">
+          <a:xfrm>
+            <a:off x="9624392" y="116632"/>
+            <a:ext cx="2448272" cy="869700"/>
+          </a:xfrm>
+          <a:prstGeom prst="rect">
+            <a:avLst/>
+          </a:prstGeom>
+          <a:solidFill>
+            <a:srgbClr val="FF0000"/>
+          </a:solidFill>
+          <a:effectLst>
+            <a:softEdge rad="127000"/>
+          </a:effectLst>
+        </p:spPr>
+      </p:pic>
+    </p:spTree>
+    <p:extLst>
+      <p:ext uri="{BB962C8B-B14F-4D97-AF65-F5344CB8AC3E}">
+        <p14:creationId xmlns:p14="http://schemas.microsoft.com/office/powerpoint/2010/main" val="3705320673"/>
+      </p:ext>
+    </p:extLst>
+  </p:cSld>
+  <p:clrMapOvr>
+    <a:masterClrMapping/>
+  </p:clrMapOvr>
+  <p:timing>
+    <p:tnLst>
+      <p:par>
+        <p:cTn id="1" dur="indefinite" restart="never" nodeType="tmRoot"/>
+      </p:par>
+    </p:tnLst>
+  </p:timing>
+</p:sld>
+</file>
+
+<file path=ppt/slides/slide22.xml><?xml version="1.0" encoding="utf-8"?>
+<p:sld xmlns:a="http://schemas.openxmlformats.org/drawingml/2006/main" xmlns:r="http://schemas.openxmlformats.org/officeDocument/2006/relationships" xmlns:p="http://schemas.openxmlformats.org/presentationml/2006/main">
+  <p:cSld>
+    <p:spTree>
+      <p:nvGrpSpPr>
+        <p:cNvPr id="1" name=""/>
+        <p:cNvGrpSpPr/>
+        <p:nvPr/>
+      </p:nvGrpSpPr>
+      <p:grpSpPr>
+        <a:xfrm>
+          <a:off x="0" y="0"/>
+          <a:ext cx="0" cy="0"/>
+          <a:chOff x="0" y="0"/>
+          <a:chExt cx="0" cy="0"/>
+        </a:xfrm>
+      </p:grpSpPr>
+      <p:sp>
+        <p:nvSpPr>
           <p:cNvPr id="129" name="직사각형 128">
             <a:extLst>
               <a:ext uri="{FF2B5EF4-FFF2-40B4-BE49-F238E27FC236}">
-                <a16:creationId xmlns:a16="http://schemas.microsoft.com/office/drawing/2014/main" xmlns="" id="{5F0B186A-DCA6-449E-954A-F4F42CC0D592}"/>
+                <a16:creationId xmlns="" xmlns:a16="http://schemas.microsoft.com/office/drawing/2014/main" id="{5F0B186A-DCA6-449E-954A-F4F42CC0D592}"/>
               </a:ext>
             </a:extLst>
           </p:cNvPr>
@@ -12792,19 +12919,29 @@
                 <a:latin typeface="+mj-ea"/>
                 <a:ea typeface="+mj-ea"/>
               </a:rPr>
-              <a:t>  03</a:t>
-            </a:r>
-          </a:p>
-          <a:p>
-            <a:r>
-              <a:rPr lang="ko-KR" altLang="en-US" sz="1100" b="1" dirty="0" smtClean="0">
+              <a:t>   04</a:t>
+            </a:r>
+          </a:p>
+          <a:p>
+            <a:r>
+              <a:rPr lang="en-US" altLang="ko-KR" sz="1100" b="1" dirty="0" smtClean="0">
                 <a:solidFill>
                   <a:srgbClr val="FFC000"/>
                 </a:solidFill>
                 <a:latin typeface="+mj-ea"/>
                 <a:ea typeface="+mj-ea"/>
               </a:rPr>
-              <a:t>     결       과</a:t>
+              <a:t>Classification </a:t>
+            </a:r>
+            <a:r>
+              <a:rPr lang="ko-KR" altLang="en-US" sz="1100" b="1" dirty="0" smtClean="0">
+                <a:solidFill>
+                  <a:srgbClr val="FFC000"/>
+                </a:solidFill>
+                <a:latin typeface="+mj-ea"/>
+                <a:ea typeface="+mj-ea"/>
+              </a:rPr>
+              <a:t>실습 및 결과</a:t>
             </a:r>
             <a:endParaRPr lang="ko-KR" altLang="en-US" sz="2000" b="1" dirty="0">
               <a:latin typeface="+mj-ea"/>
@@ -12818,7 +12955,7 @@
           <p:cNvPr id="1024" name="슬라이드 번호 개체 틀 1023">
             <a:extLst>
               <a:ext uri="{FF2B5EF4-FFF2-40B4-BE49-F238E27FC236}">
-                <a16:creationId xmlns:a16="http://schemas.microsoft.com/office/drawing/2014/main" xmlns="" id="{D7ECFDE3-EB78-4198-B1C1-7576EBEBD0EA}"/>
+                <a16:creationId xmlns="" xmlns:a16="http://schemas.microsoft.com/office/drawing/2014/main" id="{D7ECFDE3-EB78-4198-B1C1-7576EBEBD0EA}"/>
               </a:ext>
             </a:extLst>
           </p:cNvPr>
@@ -12841,7 +12978,7 @@
           <a:p>
             <a:fld id="{F4ABE7AD-7D80-45E6-9B72-991AAE1BF4C2}" type="slidenum">
               <a:rPr lang="ko-KR" altLang="en-US" smtClean="0"/>
-              <a:t>21</a:t>
+              <a:t>22</a:t>
             </a:fld>
             <a:endParaRPr lang="ko-KR" altLang="en-US"/>
           </a:p>
@@ -12852,7 +12989,7 @@
           <p:cNvPr id="62" name="직사각형 61">
             <a:extLst>
               <a:ext uri="{FF2B5EF4-FFF2-40B4-BE49-F238E27FC236}">
-                <a16:creationId xmlns:a16="http://schemas.microsoft.com/office/drawing/2014/main" xmlns="" id="{70B01BF8-29D3-4D23-BC64-0489F3113852}"/>
+                <a16:creationId xmlns="" xmlns:a16="http://schemas.microsoft.com/office/drawing/2014/main" id="{70B01BF8-29D3-4D23-BC64-0489F3113852}"/>
               </a:ext>
             </a:extLst>
           </p:cNvPr>
@@ -12942,8 +13079,8 @@
         </p:nvSpPr>
         <p:spPr>
           <a:xfrm>
-            <a:off x="551384" y="1286658"/>
-            <a:ext cx="10513168" cy="646331"/>
+            <a:off x="551384" y="1220559"/>
+            <a:ext cx="10513168" cy="2308324"/>
           </a:xfrm>
           <a:prstGeom prst="rect">
             <a:avLst/>
@@ -12956,28 +13093,39 @@
           </a:bodyPr>
           <a:lstStyle/>
           <a:p>
-            <a:pPr>
+            <a:pPr marL="285750" indent="-285750">
               <a:lnSpc>
                 <a:spcPct val="200000"/>
               </a:lnSpc>
+              <a:buFontTx/>
+              <a:buChar char="-"/>
             </a:pPr>
             <a:r>
+              <a:rPr lang="en-US" altLang="ko-KR" dirty="0" err="1" smtClean="0">
+                <a:solidFill>
+                  <a:schemeClr val="bg1"/>
+                </a:solidFill>
+                <a:latin typeface="+mn-ea"/>
+              </a:rPr>
+              <a:t>nn.models</a:t>
+            </a:r>
+            <a:r>
               <a:rPr lang="en-US" altLang="ko-KR" dirty="0" smtClean="0">
                 <a:solidFill>
                   <a:schemeClr val="bg1"/>
                 </a:solidFill>
                 <a:latin typeface="+mn-ea"/>
               </a:rPr>
-              <a:t>2)  Incremental </a:t>
-            </a:r>
-            <a:r>
-              <a:rPr lang="en-US" altLang="ko-KR" dirty="0" err="1" smtClean="0">
-                <a:solidFill>
-                  <a:schemeClr val="bg1"/>
-                </a:solidFill>
-                <a:latin typeface="+mn-ea"/>
-              </a:rPr>
-              <a:t>mAP</a:t>
+              <a:t> </a:t>
+            </a:r>
+            <a:r>
+              <a:rPr lang="ko-KR" altLang="en-US" dirty="0" smtClean="0">
+                <a:solidFill>
+                  <a:schemeClr val="bg1"/>
+                </a:solidFill>
+                <a:latin typeface="+mn-ea"/>
+              </a:rPr>
+              <a:t>에서 제공되는 </a:t>
             </a:r>
             <a:r>
               <a:rPr lang="en-US" altLang="ko-KR" dirty="0" smtClean="0">
@@ -12986,15 +13134,168 @@
                 </a:solidFill>
                 <a:latin typeface="+mn-ea"/>
               </a:rPr>
-              <a:t> results</a:t>
-            </a:r>
-            <a:endParaRPr lang="ko-KR" altLang="en-US" sz="1400" b="1" u="sng" dirty="0">
+              <a:t>MobileNet_V2 </a:t>
+            </a:r>
+            <a:r>
+              <a:rPr lang="ko-KR" altLang="en-US" dirty="0" smtClean="0">
+                <a:solidFill>
+                  <a:schemeClr val="bg1"/>
+                </a:solidFill>
+                <a:latin typeface="+mn-ea"/>
+              </a:rPr>
+              <a:t>사용</a:t>
+            </a:r>
+            <a:endParaRPr lang="en-US" altLang="ko-KR" dirty="0">
               <a:solidFill>
                 <a:schemeClr val="bg1"/>
               </a:solidFill>
               <a:latin typeface="+mn-ea"/>
             </a:endParaRPr>
           </a:p>
+          <a:p>
+            <a:pPr marL="285750" indent="-285750">
+              <a:lnSpc>
+                <a:spcPct val="200000"/>
+              </a:lnSpc>
+              <a:buFontTx/>
+              <a:buChar char="-"/>
+            </a:pPr>
+            <a:r>
+              <a:rPr lang="ko-KR" altLang="en-US" dirty="0" smtClean="0">
+                <a:solidFill>
+                  <a:schemeClr val="bg1"/>
+                </a:solidFill>
+                <a:latin typeface="+mn-ea"/>
+              </a:rPr>
+              <a:t>총 </a:t>
+            </a:r>
+            <a:r>
+              <a:rPr lang="en-US" altLang="ko-KR" dirty="0" smtClean="0">
+                <a:solidFill>
+                  <a:schemeClr val="bg1"/>
+                </a:solidFill>
+                <a:latin typeface="+mn-ea"/>
+              </a:rPr>
+              <a:t>17 Layers </a:t>
+            </a:r>
+            <a:r>
+              <a:rPr lang="ko-KR" altLang="en-US" dirty="0" smtClean="0">
+                <a:solidFill>
+                  <a:schemeClr val="bg1"/>
+                </a:solidFill>
+                <a:latin typeface="+mn-ea"/>
+              </a:rPr>
+              <a:t>로</a:t>
+            </a:r>
+            <a:r>
+              <a:rPr lang="en-US" altLang="ko-KR" dirty="0" smtClean="0">
+                <a:solidFill>
+                  <a:schemeClr val="bg1"/>
+                </a:solidFill>
+                <a:latin typeface="+mn-ea"/>
+              </a:rPr>
+              <a:t> </a:t>
+            </a:r>
+            <a:r>
+              <a:rPr lang="ko-KR" altLang="en-US" dirty="0" smtClean="0">
+                <a:solidFill>
+                  <a:schemeClr val="bg1"/>
+                </a:solidFill>
+                <a:latin typeface="+mn-ea"/>
+              </a:rPr>
+              <a:t>구성</a:t>
+            </a:r>
+            <a:endParaRPr lang="en-US" altLang="ko-KR" dirty="0" smtClean="0">
+              <a:solidFill>
+                <a:schemeClr val="bg1"/>
+              </a:solidFill>
+              <a:latin typeface="+mn-ea"/>
+            </a:endParaRPr>
+          </a:p>
+          <a:p>
+            <a:pPr marL="285750" indent="-285750">
+              <a:lnSpc>
+                <a:spcPct val="200000"/>
+              </a:lnSpc>
+              <a:buFontTx/>
+              <a:buChar char="-"/>
+            </a:pPr>
+            <a:r>
+              <a:rPr lang="en-US" altLang="ko-KR" dirty="0" smtClean="0">
+                <a:solidFill>
+                  <a:schemeClr val="bg1"/>
+                </a:solidFill>
+                <a:latin typeface="+mn-ea"/>
+              </a:rPr>
+              <a:t>Classifier </a:t>
+            </a:r>
+            <a:r>
+              <a:rPr lang="ko-KR" altLang="en-US" dirty="0" smtClean="0">
+                <a:solidFill>
+                  <a:schemeClr val="bg1"/>
+                </a:solidFill>
+                <a:latin typeface="+mn-ea"/>
+              </a:rPr>
+              <a:t>부분의 </a:t>
+            </a:r>
+            <a:r>
+              <a:rPr lang="en-US" altLang="ko-KR" dirty="0" smtClean="0">
+                <a:solidFill>
+                  <a:schemeClr val="bg1"/>
+                </a:solidFill>
+                <a:latin typeface="+mn-ea"/>
+              </a:rPr>
+              <a:t>out feature</a:t>
+            </a:r>
+            <a:r>
+              <a:rPr lang="ko-KR" altLang="en-US" dirty="0" smtClean="0">
+                <a:solidFill>
+                  <a:schemeClr val="bg1"/>
+                </a:solidFill>
+                <a:latin typeface="+mn-ea"/>
+              </a:rPr>
+              <a:t>를 </a:t>
+            </a:r>
+            <a:r>
+              <a:rPr lang="en-US" altLang="ko-KR" dirty="0" smtClean="0">
+                <a:solidFill>
+                  <a:schemeClr val="bg1"/>
+                </a:solidFill>
+                <a:latin typeface="+mn-ea"/>
+              </a:rPr>
+              <a:t>22</a:t>
+            </a:r>
+            <a:r>
+              <a:rPr lang="ko-KR" altLang="en-US" dirty="0" smtClean="0">
+                <a:solidFill>
+                  <a:schemeClr val="bg1"/>
+                </a:solidFill>
+                <a:latin typeface="+mn-ea"/>
+              </a:rPr>
+              <a:t>개로 변경</a:t>
+            </a:r>
+            <a:endParaRPr lang="en-US" altLang="ko-KR" dirty="0" smtClean="0">
+              <a:solidFill>
+                <a:schemeClr val="bg1"/>
+              </a:solidFill>
+              <a:latin typeface="+mn-ea"/>
+            </a:endParaRPr>
+          </a:p>
+          <a:p>
+            <a:pPr marL="285750" indent="-285750">
+              <a:lnSpc>
+                <a:spcPct val="200000"/>
+              </a:lnSpc>
+              <a:buFontTx/>
+              <a:buChar char="-"/>
+            </a:pPr>
+            <a:endParaRPr lang="en-US" altLang="ko-KR" dirty="0" smtClean="0">
+              <a:solidFill>
+                <a:schemeClr val="bg1"/>
+              </a:solidFill>
+              <a:latin typeface="+mn-ea"/>
+            </a:endParaRPr>
+          </a:p>
         </p:txBody>
       </p:sp>
       <p:sp>
@@ -13006,7 +13307,7 @@
         <p:spPr>
           <a:xfrm>
             <a:off x="1570832" y="366816"/>
-            <a:ext cx="3301032" cy="369332"/>
+            <a:ext cx="3445048" cy="369332"/>
           </a:xfrm>
           <a:prstGeom prst="rect">
             <a:avLst/>
@@ -13023,19 +13324,19 @@
               <a:rPr lang="en-US" altLang="ko-KR" b="1" dirty="0" smtClean="0">
                 <a:latin typeface="+mj-ea"/>
               </a:rPr>
-              <a:t>2) Incremental </a:t>
-            </a:r>
-            <a:r>
-              <a:rPr lang="en-US" altLang="ko-KR" b="1" dirty="0" err="1" smtClean="0">
+              <a:t>      1</a:t>
+            </a:r>
+            <a:r>
+              <a:rPr lang="en-US" altLang="ko-KR" b="1" smtClean="0">
                 <a:latin typeface="+mj-ea"/>
               </a:rPr>
-              <a:t>mAP</a:t>
-            </a:r>
-            <a:r>
-              <a:rPr lang="en-US" altLang="ko-KR" b="1" dirty="0" smtClean="0">
+              <a:t>) Model </a:t>
+            </a:r>
+            <a:r>
+              <a:rPr lang="ko-KR" altLang="en-US" b="1" dirty="0" smtClean="0">
                 <a:latin typeface="+mj-ea"/>
               </a:rPr>
-              <a:t> results</a:t>
+              <a:t>선정</a:t>
             </a:r>
             <a:endParaRPr lang="ko-KR" altLang="en-US" b="1" dirty="0">
               <a:latin typeface="+mj-ea"/>
@@ -13045,7 +13346,7 @@
       </p:sp>
       <p:pic>
         <p:nvPicPr>
-          <p:cNvPr id="2050" name="Picture 2" descr="C:\Users\사용자\PycharmProjects\lotte_studying\reference_image\KwonHH\RODEO_Replay for Online Object Detection\Tabel2_Incremental mAP results for several variants of RODEO.JPG"/>
+          <p:cNvPr id="1026" name="Picture 2"/>
           <p:cNvPicPr>
             <a:picLocks noChangeAspect="1" noChangeArrowheads="1"/>
           </p:cNvPicPr>
@@ -13066,34 +13367,47 @@
         </p:blipFill>
         <p:spPr bwMode="auto">
           <a:xfrm>
-            <a:off x="7536160" y="1984108"/>
-            <a:ext cx="4248472" cy="3965172"/>
+            <a:off x="983432" y="2924944"/>
+            <a:ext cx="5256584" cy="792088"/>
           </a:xfrm>
           <a:prstGeom prst="rect">
             <a:avLst/>
           </a:prstGeom>
           <a:noFill/>
+          <a:ln>
+            <a:noFill/>
+          </a:ln>
           <a:extLst>
             <a:ext uri="{909E8E84-426E-40DD-AFC4-6F175D3DCCD1}">
               <a14:hiddenFill xmlns:a14="http://schemas.microsoft.com/office/drawing/2010/main">
                 <a:solidFill>
-                  <a:srgbClr val="FFFFFF"/>
+                  <a:schemeClr val="accent1"/>
                 </a:solidFill>
               </a14:hiddenFill>
             </a:ext>
+            <a:ext uri="{91240B29-F687-4F45-9708-019B960494DF}">
+              <a14:hiddenLine xmlns:a14="http://schemas.microsoft.com/office/drawing/2010/main" w="9525">
+                <a:solidFill>
+                  <a:schemeClr val="tx1"/>
+                </a:solidFill>
+                <a:miter lim="800000"/>
+                <a:headEnd/>
+                <a:tailEnd/>
+              </a14:hiddenLine>
+            </a:ext>
           </a:extLst>
         </p:spPr>
       </p:pic>
       <p:sp>
         <p:nvSpPr>
-          <p:cNvPr id="5" name="TextBox 4"/>
+          <p:cNvPr id="4" name="TextBox 3"/>
           <p:cNvSpPr txBox="1"/>
           <p:nvPr/>
         </p:nvSpPr>
         <p:spPr>
           <a:xfrm>
-            <a:off x="335360" y="1988840"/>
-            <a:ext cx="7200800" cy="4154984"/>
+            <a:off x="551384" y="3933056"/>
+            <a:ext cx="6264696" cy="2308324"/>
           </a:xfrm>
           <a:prstGeom prst="rect">
             <a:avLst/>
@@ -13108,559 +13422,190 @@
           <a:p>
             <a:pPr marL="285750" indent="-285750">
               <a:lnSpc>
-                <a:spcPct val="150000"/>
+                <a:spcPct val="200000"/>
               </a:lnSpc>
-              <a:buFont typeface="Wingdings"/>
-              <a:buChar char="à"/>
+              <a:buFontTx/>
+              <a:buChar char="-"/>
             </a:pPr>
             <a:r>
-              <a:rPr lang="ko-KR" altLang="en-US" sz="1600" dirty="0" smtClean="0">
-                <a:solidFill>
-                  <a:schemeClr val="bg1"/>
-                </a:solidFill>
-                <a:sym typeface="Wingdings" panose="05000000000000000000" pitchFamily="2" charset="2"/>
-              </a:rPr>
-              <a:t>이상적인 경우 </a:t>
-            </a:r>
-            <a:r>
-              <a:rPr lang="en-US" altLang="ko-KR" sz="1600" dirty="0" smtClean="0">
-                <a:solidFill>
-                  <a:schemeClr val="bg1"/>
-                </a:solidFill>
-                <a:sym typeface="Wingdings" panose="05000000000000000000" pitchFamily="2" charset="2"/>
-              </a:rPr>
-              <a:t>RODEO Replay </a:t>
-            </a:r>
-            <a:r>
-              <a:rPr lang="ko-KR" altLang="en-US" sz="1600" dirty="0" smtClean="0">
-                <a:solidFill>
-                  <a:schemeClr val="bg1"/>
-                </a:solidFill>
-                <a:sym typeface="Wingdings" panose="05000000000000000000" pitchFamily="2" charset="2"/>
-              </a:rPr>
-              <a:t>수를 </a:t>
-            </a:r>
-            <a:r>
-              <a:rPr lang="en-US" altLang="ko-KR" sz="1600" dirty="0" smtClean="0">
-                <a:solidFill>
-                  <a:schemeClr val="bg1"/>
-                </a:solidFill>
-                <a:sym typeface="Wingdings" panose="05000000000000000000" pitchFamily="2" charset="2"/>
-              </a:rPr>
-              <a:t>4</a:t>
-            </a:r>
-            <a:r>
-              <a:rPr lang="ko-KR" altLang="en-US" sz="1600" dirty="0" smtClean="0">
-                <a:solidFill>
-                  <a:schemeClr val="bg1"/>
-                </a:solidFill>
-                <a:sym typeface="Wingdings" panose="05000000000000000000" pitchFamily="2" charset="2"/>
-              </a:rPr>
-              <a:t>로</a:t>
-            </a:r>
-            <a:r>
-              <a:rPr lang="en-US" altLang="ko-KR" sz="1600" dirty="0" smtClean="0">
-                <a:solidFill>
-                  <a:schemeClr val="bg1"/>
-                </a:solidFill>
-                <a:sym typeface="Wingdings" panose="05000000000000000000" pitchFamily="2" charset="2"/>
-              </a:rPr>
-              <a:t>, Buffer </a:t>
-            </a:r>
-            <a:r>
-              <a:rPr lang="ko-KR" altLang="en-US" sz="1600" dirty="0" smtClean="0">
-                <a:solidFill>
-                  <a:schemeClr val="bg1"/>
-                </a:solidFill>
-                <a:sym typeface="Wingdings" panose="05000000000000000000" pitchFamily="2" charset="2"/>
-              </a:rPr>
-              <a:t>크기를 무제한으로 설정</a:t>
-            </a:r>
-            <a:r>
-              <a:rPr lang="en-US" altLang="ko-KR" sz="1600" dirty="0" smtClean="0">
-                <a:solidFill>
-                  <a:schemeClr val="bg1"/>
-                </a:solidFill>
-                <a:sym typeface="Wingdings" panose="05000000000000000000" pitchFamily="2" charset="2"/>
-              </a:rPr>
-              <a:t/>
-            </a:r>
-            <a:br>
-              <a:rPr lang="en-US" altLang="ko-KR" sz="1600" dirty="0" smtClean="0">
-                <a:solidFill>
-                  <a:schemeClr val="bg1"/>
-                </a:solidFill>
-                <a:sym typeface="Wingdings" panose="05000000000000000000" pitchFamily="2" charset="2"/>
-              </a:rPr>
-            </a:br>
-            <a:endParaRPr lang="en-US" altLang="ko-KR" sz="1600" dirty="0" smtClean="0">
+              <a:rPr lang="en-US" altLang="ko-KR" dirty="0" smtClean="0">
+                <a:solidFill>
+                  <a:schemeClr val="bg1"/>
+                </a:solidFill>
+                <a:latin typeface="+mn-ea"/>
+              </a:rPr>
+              <a:t>Resize : 224 X 224</a:t>
+            </a:r>
+          </a:p>
+          <a:p>
+            <a:pPr marL="285750" indent="-285750">
+              <a:lnSpc>
+                <a:spcPct val="200000"/>
+              </a:lnSpc>
+              <a:buFontTx/>
+              <a:buChar char="-"/>
+            </a:pPr>
+            <a:r>
+              <a:rPr lang="en-US" altLang="ko-KR" dirty="0" err="1" smtClean="0">
+                <a:solidFill>
+                  <a:schemeClr val="bg1"/>
+                </a:solidFill>
+                <a:latin typeface="+mn-ea"/>
+              </a:rPr>
+              <a:t>ColorJitter</a:t>
+            </a:r>
+            <a:r>
+              <a:rPr lang="en-US" altLang="ko-KR" dirty="0" smtClean="0">
+                <a:solidFill>
+                  <a:schemeClr val="bg1"/>
+                </a:solidFill>
+                <a:latin typeface="+mn-ea"/>
+              </a:rPr>
+              <a:t> : Brightness 0.3</a:t>
+            </a:r>
+          </a:p>
+          <a:p>
+            <a:pPr>
+              <a:lnSpc>
+                <a:spcPct val="200000"/>
+              </a:lnSpc>
+            </a:pPr>
+            <a:r>
+              <a:rPr lang="en-US" altLang="ko-KR" dirty="0" smtClean="0">
+                <a:solidFill>
+                  <a:schemeClr val="bg1"/>
+                </a:solidFill>
+                <a:latin typeface="+mn-ea"/>
+              </a:rPr>
+              <a:t>-   </a:t>
+            </a:r>
+            <a:r>
+              <a:rPr lang="en-US" altLang="ko-KR" dirty="0" err="1" smtClean="0">
+                <a:solidFill>
+                  <a:schemeClr val="bg1"/>
+                </a:solidFill>
+                <a:latin typeface="+mn-ea"/>
+              </a:rPr>
+              <a:t>RandomRotation</a:t>
+            </a:r>
+            <a:r>
+              <a:rPr lang="en-US" altLang="ko-KR" dirty="0" smtClean="0">
+                <a:solidFill>
+                  <a:schemeClr val="bg1"/>
+                </a:solidFill>
+                <a:latin typeface="+mn-ea"/>
+              </a:rPr>
+              <a:t> : 90</a:t>
+            </a:r>
+            <a:endParaRPr lang="en-US" altLang="ko-KR" dirty="0">
               <a:solidFill>
                 <a:schemeClr val="bg1"/>
               </a:solidFill>
-              <a:sym typeface="Wingdings" panose="05000000000000000000" pitchFamily="2" charset="2"/>
+              <a:latin typeface="+mn-ea"/>
             </a:endParaRPr>
           </a:p>
           <a:p>
-            <a:pPr marL="285750" indent="-285750">
+            <a:pPr>
               <a:lnSpc>
-                <a:spcPct val="150000"/>
+                <a:spcPct val="200000"/>
               </a:lnSpc>
-              <a:buFont typeface="Wingdings"/>
-              <a:buChar char="à"/>
             </a:pPr>
             <a:r>
-              <a:rPr lang="ko-KR" altLang="en-US" sz="1600" dirty="0">
-                <a:solidFill>
-                  <a:schemeClr val="bg1"/>
-                </a:solidFill>
-                <a:sym typeface="Wingdings" panose="05000000000000000000" pitchFamily="2" charset="2"/>
-              </a:rPr>
-              <a:t> </a:t>
-            </a:r>
-            <a:r>
-              <a:rPr lang="en-US" altLang="ko-KR" sz="1600" dirty="0" smtClean="0">
-                <a:solidFill>
-                  <a:schemeClr val="bg1"/>
-                </a:solidFill>
-                <a:sym typeface="Wingdings" panose="05000000000000000000" pitchFamily="2" charset="2"/>
-              </a:rPr>
-              <a:t>But, </a:t>
-            </a:r>
-            <a:r>
-              <a:rPr lang="ko-KR" altLang="en-US" sz="1600" dirty="0">
-                <a:solidFill>
-                  <a:schemeClr val="bg1"/>
-                </a:solidFill>
-                <a:sym typeface="Wingdings" panose="05000000000000000000" pitchFamily="2" charset="2"/>
-              </a:rPr>
-              <a:t> </a:t>
-            </a:r>
-            <a:r>
-              <a:rPr lang="ko-KR" altLang="en-US" sz="1600" dirty="0" smtClean="0">
-                <a:solidFill>
-                  <a:schemeClr val="bg1"/>
-                </a:solidFill>
-                <a:sym typeface="Wingdings" panose="05000000000000000000" pitchFamily="2" charset="2"/>
-              </a:rPr>
-              <a:t>공평한 비교를 위해 </a:t>
-            </a:r>
-            <a:r>
-              <a:rPr lang="en-US" altLang="ko-KR" sz="1600" dirty="0" smtClean="0">
-                <a:solidFill>
-                  <a:schemeClr val="bg1"/>
-                </a:solidFill>
-                <a:sym typeface="Wingdings" panose="05000000000000000000" pitchFamily="2" charset="2"/>
-              </a:rPr>
-              <a:t>Replacement </a:t>
-            </a:r>
-            <a:r>
-              <a:rPr lang="ko-KR" altLang="en-US" sz="1600" dirty="0" smtClean="0">
-                <a:solidFill>
-                  <a:schemeClr val="bg1"/>
-                </a:solidFill>
-                <a:sym typeface="Wingdings" panose="05000000000000000000" pitchFamily="2" charset="2"/>
-              </a:rPr>
-              <a:t>방식이 적용된 모델의 경우 </a:t>
-            </a:r>
-            <a:r>
-              <a:rPr lang="en-US" altLang="ko-KR" sz="1600" dirty="0" smtClean="0">
-                <a:solidFill>
-                  <a:schemeClr val="bg1"/>
-                </a:solidFill>
-                <a:sym typeface="Wingdings" panose="05000000000000000000" pitchFamily="2" charset="2"/>
-              </a:rPr>
-              <a:t>17,688</a:t>
-            </a:r>
-            <a:r>
-              <a:rPr lang="ko-KR" altLang="en-US" sz="1600" dirty="0" smtClean="0">
-                <a:solidFill>
-                  <a:schemeClr val="bg1"/>
-                </a:solidFill>
-                <a:sym typeface="Wingdings" panose="05000000000000000000" pitchFamily="2" charset="2"/>
-              </a:rPr>
-              <a:t>개의 </a:t>
-            </a:r>
-            <a:r>
-              <a:rPr lang="en-US" altLang="ko-KR" sz="1600" dirty="0" smtClean="0">
-                <a:solidFill>
-                  <a:schemeClr val="bg1"/>
-                </a:solidFill>
-                <a:sym typeface="Wingdings" panose="05000000000000000000" pitchFamily="2" charset="2"/>
-              </a:rPr>
-              <a:t>sample</a:t>
-            </a:r>
-            <a:r>
-              <a:rPr lang="ko-KR" altLang="en-US" sz="1600" dirty="0" smtClean="0">
-                <a:solidFill>
-                  <a:schemeClr val="bg1"/>
-                </a:solidFill>
-                <a:sym typeface="Wingdings" panose="05000000000000000000" pitchFamily="2" charset="2"/>
-              </a:rPr>
-              <a:t>만 저장하도록 함</a:t>
-            </a:r>
-            <a:endParaRPr lang="en-US" altLang="ko-KR" sz="1600" dirty="0" smtClean="0">
+              <a:rPr lang="en-US" altLang="ko-KR" dirty="0" smtClean="0">
+                <a:solidFill>
+                  <a:schemeClr val="bg1"/>
+                </a:solidFill>
+                <a:latin typeface="+mn-ea"/>
+              </a:rPr>
+              <a:t>-  Normalize</a:t>
+            </a:r>
+            <a:r>
+              <a:rPr lang="en-US" altLang="ko-KR" dirty="0">
+                <a:solidFill>
+                  <a:schemeClr val="bg1"/>
+                </a:solidFill>
+                <a:latin typeface="+mn-ea"/>
+              </a:rPr>
+              <a:t>([0.485, 0.456, 0.406], [0.229, 0.224, 0.225</a:t>
+            </a:r>
+            <a:r>
+              <a:rPr lang="en-US" altLang="ko-KR" dirty="0" smtClean="0">
+                <a:solidFill>
+                  <a:schemeClr val="bg1"/>
+                </a:solidFill>
+                <a:latin typeface="+mn-ea"/>
+              </a:rPr>
+              <a:t>])</a:t>
+            </a:r>
+            <a:endParaRPr lang="en-US" altLang="ko-KR" dirty="0">
               <a:solidFill>
                 <a:schemeClr val="bg1"/>
               </a:solidFill>
-              <a:sym typeface="Wingdings" panose="05000000000000000000" pitchFamily="2" charset="2"/>
+              <a:latin typeface="+mn-ea"/>
             </a:endParaRPr>
           </a:p>
-          <a:p>
-            <a:pPr>
-              <a:lnSpc>
-                <a:spcPct val="150000"/>
-              </a:lnSpc>
-            </a:pPr>
-            <a:r>
-              <a:rPr lang="en-US" altLang="ko-KR" sz="1600" dirty="0">
-                <a:solidFill>
-                  <a:schemeClr val="bg1"/>
-                </a:solidFill>
-                <a:sym typeface="Wingdings" panose="05000000000000000000" pitchFamily="2" charset="2"/>
-              </a:rPr>
-              <a:t>	</a:t>
-            </a:r>
-            <a:r>
-              <a:rPr lang="en-US" altLang="ko-KR" sz="1600" dirty="0" smtClean="0">
-                <a:solidFill>
-                  <a:schemeClr val="bg1"/>
-                </a:solidFill>
-                <a:sym typeface="Wingdings" panose="05000000000000000000" pitchFamily="2" charset="2"/>
-              </a:rPr>
-              <a:t> Random </a:t>
-            </a:r>
-            <a:r>
-              <a:rPr lang="ko-KR" altLang="en-US" sz="1600" dirty="0" smtClean="0">
-                <a:solidFill>
-                  <a:schemeClr val="bg1"/>
-                </a:solidFill>
-                <a:sym typeface="Wingdings" panose="05000000000000000000" pitchFamily="2" charset="2"/>
-              </a:rPr>
-              <a:t>과 비교했을 때 </a:t>
-            </a:r>
-            <a:r>
-              <a:rPr lang="en-US" altLang="ko-KR" sz="1600" dirty="0" smtClean="0">
-                <a:solidFill>
-                  <a:schemeClr val="bg1"/>
-                </a:solidFill>
-                <a:sym typeface="Wingdings" panose="05000000000000000000" pitchFamily="2" charset="2"/>
-              </a:rPr>
-              <a:t>MAX </a:t>
-            </a:r>
-            <a:r>
-              <a:rPr lang="ko-KR" altLang="en-US" sz="1600" dirty="0" smtClean="0">
-                <a:solidFill>
-                  <a:schemeClr val="bg1"/>
-                </a:solidFill>
-                <a:sym typeface="Wingdings" panose="05000000000000000000" pitchFamily="2" charset="2"/>
-              </a:rPr>
-              <a:t>가</a:t>
-            </a:r>
-            <a:r>
-              <a:rPr lang="en-US" altLang="ko-KR" sz="1600" dirty="0" smtClean="0">
-                <a:solidFill>
-                  <a:schemeClr val="bg1"/>
-                </a:solidFill>
-                <a:sym typeface="Wingdings" panose="05000000000000000000" pitchFamily="2" charset="2"/>
-              </a:rPr>
-              <a:t> </a:t>
-            </a:r>
-            <a:r>
-              <a:rPr lang="en-US" altLang="ko-KR" sz="1600" dirty="0" err="1" smtClean="0">
-                <a:solidFill>
-                  <a:schemeClr val="bg1"/>
-                </a:solidFill>
-                <a:sym typeface="Wingdings" panose="05000000000000000000" pitchFamily="2" charset="2"/>
-              </a:rPr>
-              <a:t>mAP</a:t>
-            </a:r>
-            <a:r>
-              <a:rPr lang="ko-KR" altLang="en-US" sz="1600" dirty="0" smtClean="0">
-                <a:solidFill>
-                  <a:schemeClr val="bg1"/>
-                </a:solidFill>
-                <a:sym typeface="Wingdings" panose="05000000000000000000" pitchFamily="2" charset="2"/>
-              </a:rPr>
-              <a:t>가 더 낮았음</a:t>
-            </a:r>
-            <a:endParaRPr lang="en-US" altLang="ko-KR" sz="1600" dirty="0" smtClean="0">
-              <a:solidFill>
-                <a:schemeClr val="bg1"/>
-              </a:solidFill>
-              <a:sym typeface="Wingdings" panose="05000000000000000000" pitchFamily="2" charset="2"/>
-            </a:endParaRPr>
-          </a:p>
-          <a:p>
-            <a:pPr>
-              <a:lnSpc>
-                <a:spcPct val="150000"/>
-              </a:lnSpc>
-            </a:pPr>
-            <a:r>
-              <a:rPr lang="en-US" altLang="ko-KR" sz="1600" dirty="0">
-                <a:solidFill>
-                  <a:schemeClr val="bg1"/>
-                </a:solidFill>
-                <a:sym typeface="Wingdings" panose="05000000000000000000" pitchFamily="2" charset="2"/>
-              </a:rPr>
-              <a:t>	</a:t>
-            </a:r>
-            <a:r>
-              <a:rPr lang="en-US" altLang="ko-KR" sz="1600" dirty="0" smtClean="0">
-                <a:solidFill>
-                  <a:schemeClr val="bg1"/>
-                </a:solidFill>
-                <a:sym typeface="Wingdings" panose="05000000000000000000" pitchFamily="2" charset="2"/>
-              </a:rPr>
-              <a:t> </a:t>
-            </a:r>
-            <a:r>
-              <a:rPr lang="ko-KR" altLang="en-US" sz="1600" dirty="0" smtClean="0">
-                <a:solidFill>
-                  <a:schemeClr val="bg1"/>
-                </a:solidFill>
-                <a:sym typeface="Wingdings" panose="05000000000000000000" pitchFamily="2" charset="2"/>
-              </a:rPr>
-              <a:t>더 다양한 고유의 </a:t>
-            </a:r>
-            <a:r>
-              <a:rPr lang="en-US" altLang="ko-KR" sz="1600" dirty="0" smtClean="0">
-                <a:solidFill>
-                  <a:schemeClr val="bg1"/>
-                </a:solidFill>
-                <a:sym typeface="Wingdings" panose="05000000000000000000" pitchFamily="2" charset="2"/>
-              </a:rPr>
-              <a:t>category</a:t>
-            </a:r>
-            <a:r>
-              <a:rPr lang="ko-KR" altLang="en-US" sz="1600" dirty="0" smtClean="0">
-                <a:solidFill>
-                  <a:schemeClr val="bg1"/>
-                </a:solidFill>
-                <a:sym typeface="Wingdings" panose="05000000000000000000" pitchFamily="2" charset="2"/>
-              </a:rPr>
-              <a:t>를</a:t>
-            </a:r>
-            <a:r>
-              <a:rPr lang="en-US" altLang="ko-KR" sz="1600" dirty="0" smtClean="0">
-                <a:solidFill>
-                  <a:schemeClr val="bg1"/>
-                </a:solidFill>
-                <a:sym typeface="Wingdings" panose="05000000000000000000" pitchFamily="2" charset="2"/>
-              </a:rPr>
-              <a:t> </a:t>
-            </a:r>
-            <a:r>
-              <a:rPr lang="ko-KR" altLang="en-US" sz="1600" dirty="0" smtClean="0">
-                <a:solidFill>
-                  <a:schemeClr val="bg1"/>
-                </a:solidFill>
-                <a:sym typeface="Wingdings" panose="05000000000000000000" pitchFamily="2" charset="2"/>
-              </a:rPr>
-              <a:t>저장하기 때문</a:t>
-            </a:r>
-            <a:r>
-              <a:rPr lang="en-US" altLang="ko-KR" sz="1600" dirty="0" smtClean="0">
-                <a:solidFill>
-                  <a:schemeClr val="bg1"/>
-                </a:solidFill>
-                <a:sym typeface="Wingdings" panose="05000000000000000000" pitchFamily="2" charset="2"/>
-              </a:rPr>
-              <a:t/>
-            </a:r>
-            <a:br>
-              <a:rPr lang="en-US" altLang="ko-KR" sz="1600" dirty="0" smtClean="0">
-                <a:solidFill>
-                  <a:schemeClr val="bg1"/>
-                </a:solidFill>
-                <a:sym typeface="Wingdings" panose="05000000000000000000" pitchFamily="2" charset="2"/>
-              </a:rPr>
-            </a:br>
-            <a:endParaRPr lang="en-US" altLang="ko-KR" sz="1600" dirty="0" smtClean="0">
-              <a:solidFill>
-                <a:schemeClr val="bg1"/>
-              </a:solidFill>
-              <a:sym typeface="Wingdings" panose="05000000000000000000" pitchFamily="2" charset="2"/>
-            </a:endParaRPr>
-          </a:p>
-          <a:p>
-            <a:pPr marL="285750" indent="-285750">
-              <a:lnSpc>
-                <a:spcPct val="150000"/>
-              </a:lnSpc>
-              <a:buFont typeface="Wingdings"/>
-              <a:buChar char="à"/>
-            </a:pPr>
-            <a:r>
-              <a:rPr lang="en-US" altLang="ko-KR" sz="1600" dirty="0" smtClean="0">
-                <a:solidFill>
-                  <a:schemeClr val="bg1"/>
-                </a:solidFill>
-                <a:sym typeface="Wingdings" panose="05000000000000000000" pitchFamily="2" charset="2"/>
-              </a:rPr>
-              <a:t>MIN </a:t>
-            </a:r>
-            <a:r>
-              <a:rPr lang="ko-KR" altLang="en-US" sz="1600" dirty="0" smtClean="0">
-                <a:solidFill>
-                  <a:schemeClr val="bg1"/>
-                </a:solidFill>
-                <a:sym typeface="Wingdings" panose="05000000000000000000" pitchFamily="2" charset="2"/>
-              </a:rPr>
-              <a:t>방식을 적용한 </a:t>
-            </a:r>
-            <a:r>
-              <a:rPr lang="en-US" altLang="ko-KR" sz="1600" dirty="0" smtClean="0">
-                <a:solidFill>
-                  <a:schemeClr val="bg1"/>
-                </a:solidFill>
-                <a:sym typeface="Wingdings" panose="05000000000000000000" pitchFamily="2" charset="2"/>
-              </a:rPr>
-              <a:t>real </a:t>
-            </a:r>
-            <a:r>
-              <a:rPr lang="ko-KR" altLang="en-US" sz="1600" dirty="0" smtClean="0">
-                <a:solidFill>
-                  <a:schemeClr val="bg1"/>
-                </a:solidFill>
-                <a:sym typeface="Wingdings" panose="05000000000000000000" pitchFamily="2" charset="2"/>
-              </a:rPr>
-              <a:t>과 </a:t>
-            </a:r>
-            <a:r>
-              <a:rPr lang="en-US" altLang="ko-KR" sz="1600" dirty="0" smtClean="0">
-                <a:solidFill>
-                  <a:schemeClr val="bg1"/>
-                </a:solidFill>
-                <a:sym typeface="Wingdings" panose="05000000000000000000" pitchFamily="2" charset="2"/>
-              </a:rPr>
-              <a:t>recon </a:t>
-            </a:r>
-            <a:r>
-              <a:rPr lang="ko-KR" altLang="en-US" sz="1600" dirty="0" smtClean="0">
-                <a:solidFill>
-                  <a:schemeClr val="bg1"/>
-                </a:solidFill>
-                <a:sym typeface="Wingdings" panose="05000000000000000000" pitchFamily="2" charset="2"/>
-              </a:rPr>
-              <a:t>모두에서 가장 좋은 결과</a:t>
-            </a:r>
-            <a:endParaRPr lang="en-US" altLang="ko-KR" sz="1600" dirty="0" smtClean="0">
-              <a:solidFill>
-                <a:schemeClr val="bg1"/>
-              </a:solidFill>
-              <a:sym typeface="Wingdings" panose="05000000000000000000" pitchFamily="2" charset="2"/>
-            </a:endParaRPr>
-          </a:p>
-          <a:p>
-            <a:pPr marL="742950" lvl="1" indent="-285750">
-              <a:lnSpc>
-                <a:spcPct val="150000"/>
-              </a:lnSpc>
-              <a:buFont typeface="Wingdings"/>
-              <a:buChar char="à"/>
-            </a:pPr>
-            <a:r>
-              <a:rPr lang="en-US" altLang="ko-KR" sz="1600" dirty="0" smtClean="0">
-                <a:solidFill>
-                  <a:schemeClr val="bg1"/>
-                </a:solidFill>
-                <a:sym typeface="Wingdings" panose="05000000000000000000" pitchFamily="2" charset="2"/>
-              </a:rPr>
-              <a:t>MIN </a:t>
-            </a:r>
-            <a:r>
-              <a:rPr lang="ko-KR" altLang="en-US" sz="1600" dirty="0" smtClean="0">
-                <a:solidFill>
-                  <a:schemeClr val="bg1"/>
-                </a:solidFill>
-                <a:sym typeface="Wingdings" panose="05000000000000000000" pitchFamily="2" charset="2"/>
-              </a:rPr>
-              <a:t>방식에서 고유한 </a:t>
-            </a:r>
-            <a:r>
-              <a:rPr lang="en-US" altLang="ko-KR" sz="1600" dirty="0" smtClean="0">
-                <a:solidFill>
-                  <a:schemeClr val="bg1"/>
-                </a:solidFill>
-                <a:sym typeface="Wingdings" panose="05000000000000000000" pitchFamily="2" charset="2"/>
-              </a:rPr>
-              <a:t>image category</a:t>
-            </a:r>
-            <a:r>
-              <a:rPr lang="ko-KR" altLang="en-US" sz="1600" dirty="0" smtClean="0">
-                <a:solidFill>
-                  <a:schemeClr val="bg1"/>
-                </a:solidFill>
-                <a:sym typeface="Wingdings" panose="05000000000000000000" pitchFamily="2" charset="2"/>
-              </a:rPr>
-              <a:t>를 가장 많이 가지기 때문에 </a:t>
-            </a:r>
-            <a:r>
-              <a:rPr lang="en-US" altLang="ko-KR" sz="1600" dirty="0" smtClean="0">
-                <a:solidFill>
-                  <a:schemeClr val="bg1"/>
-                </a:solidFill>
-                <a:sym typeface="Wingdings" panose="05000000000000000000" pitchFamily="2" charset="2"/>
-              </a:rPr>
-              <a:t>forgetting</a:t>
-            </a:r>
-            <a:r>
-              <a:rPr lang="ko-KR" altLang="en-US" sz="1600" dirty="0" smtClean="0">
-                <a:solidFill>
-                  <a:schemeClr val="bg1"/>
-                </a:solidFill>
-                <a:sym typeface="Wingdings" panose="05000000000000000000" pitchFamily="2" charset="2"/>
-              </a:rPr>
-              <a:t>을 극복하기 위해서 </a:t>
-            </a:r>
-            <a:r>
-              <a:rPr lang="en-US" altLang="ko-KR" sz="1600" dirty="0" smtClean="0">
-                <a:solidFill>
-                  <a:schemeClr val="bg1"/>
-                </a:solidFill>
-                <a:sym typeface="Wingdings" panose="05000000000000000000" pitchFamily="2" charset="2"/>
-              </a:rPr>
-              <a:t>buffer</a:t>
-            </a:r>
-            <a:r>
-              <a:rPr lang="ko-KR" altLang="en-US" sz="1600" dirty="0" smtClean="0">
-                <a:solidFill>
-                  <a:schemeClr val="bg1"/>
-                </a:solidFill>
-                <a:sym typeface="Wingdings" panose="05000000000000000000" pitchFamily="2" charset="2"/>
-              </a:rPr>
-              <a:t>가 더욱 다양해지기 때문인 것으로 추측</a:t>
-            </a:r>
-            <a:endParaRPr lang="en-US" altLang="ko-KR" sz="1600" dirty="0" smtClean="0">
-              <a:solidFill>
-                <a:schemeClr val="bg1"/>
-              </a:solidFill>
-              <a:sym typeface="Wingdings" panose="05000000000000000000" pitchFamily="2" charset="2"/>
-            </a:endParaRPr>
-          </a:p>
-        </p:txBody>
-      </p:sp>
-      <p:sp>
-        <p:nvSpPr>
-          <p:cNvPr id="6" name="직사각형 5"/>
+        </p:txBody>
+      </p:sp>
+    </p:spTree>
+    <p:extLst>
+      <p:ext uri="{BB962C8B-B14F-4D97-AF65-F5344CB8AC3E}">
+        <p14:creationId xmlns:p14="http://schemas.microsoft.com/office/powerpoint/2010/main" val="1816756219"/>
+      </p:ext>
+    </p:extLst>
+  </p:cSld>
+  <p:clrMapOvr>
+    <a:masterClrMapping/>
+  </p:clrMapOvr>
+  <p:timing>
+    <p:tnLst>
+      <p:par>
+        <p:cTn id="1" dur="indefinite" restart="never" nodeType="tmRoot"/>
+      </p:par>
+    </p:tnLst>
+  </p:timing>
+</p:sld>
+</file>
+
+<file path=ppt/slides/slide23.xml><?xml version="1.0" encoding="utf-8"?>
+<p:sld xmlns:a="http://schemas.openxmlformats.org/drawingml/2006/main" xmlns:r="http://schemas.openxmlformats.org/officeDocument/2006/relationships" xmlns:p="http://schemas.openxmlformats.org/presentationml/2006/main">
+  <p:cSld>
+    <p:spTree>
+      <p:nvGrpSpPr>
+        <p:cNvPr id="1" name=""/>
+        <p:cNvGrpSpPr/>
+        <p:nvPr/>
+      </p:nvGrpSpPr>
+      <p:grpSpPr>
+        <a:xfrm>
+          <a:off x="0" y="0"/>
+          <a:ext cx="0" cy="0"/>
+          <a:chOff x="0" y="0"/>
+          <a:chExt cx="0" cy="0"/>
+        </a:xfrm>
+      </p:grpSpPr>
+      <p:sp>
+        <p:nvSpPr>
+          <p:cNvPr id="129" name="직사각형 128">
+            <a:extLst>
+              <a:ext uri="{FF2B5EF4-FFF2-40B4-BE49-F238E27FC236}">
+                <a16:creationId xmlns="" xmlns:a16="http://schemas.microsoft.com/office/drawing/2014/main" id="{5F0B186A-DCA6-449E-954A-F4F42CC0D592}"/>
+              </a:ext>
+            </a:extLst>
+          </p:cNvPr>
           <p:cNvSpPr/>
           <p:nvPr/>
         </p:nvSpPr>
         <p:spPr>
           <a:xfrm>
-            <a:off x="7536160" y="5301208"/>
-            <a:ext cx="4248472" cy="288032"/>
+            <a:off x="191342" y="160720"/>
+            <a:ext cx="4991065" cy="741040"/>
           </a:xfrm>
           <a:prstGeom prst="rect">
             <a:avLst/>
           </a:prstGeom>
           <a:noFill/>
-          <a:ln w="25400">
-            <a:solidFill>
-              <a:srgbClr val="FF0000"/>
-            </a:solidFill>
-            <a:prstDash val="sysDash"/>
+          <a:ln>
+            <a:noFill/>
           </a:ln>
         </p:spPr>
         <p:style>
@@ -13683,31 +13628,104 @@
           <a:bodyPr rtlCol="0" anchor="ctr"/>
           <a:lstStyle/>
           <a:p>
-            <a:pPr algn="ctr"/>
+            <a:r>
+              <a:rPr lang="en-US" altLang="ko-KR" sz="3600" b="1" dirty="0" smtClean="0">
+                <a:solidFill>
+                  <a:srgbClr val="FFC000"/>
+                </a:solidFill>
+                <a:latin typeface="+mj-ea"/>
+                <a:ea typeface="+mj-ea"/>
+              </a:rPr>
+              <a:t>   04</a:t>
+            </a:r>
+          </a:p>
+          <a:p>
+            <a:r>
+              <a:rPr lang="en-US" altLang="ko-KR" sz="1100" b="1" dirty="0" smtClean="0">
+                <a:solidFill>
+                  <a:srgbClr val="FFC000"/>
+                </a:solidFill>
+                <a:latin typeface="+mj-ea"/>
+                <a:ea typeface="+mj-ea"/>
+              </a:rPr>
+              <a:t>Classification </a:t>
+            </a:r>
+            <a:r>
+              <a:rPr lang="ko-KR" altLang="en-US" sz="1100" b="1" dirty="0" smtClean="0">
+                <a:solidFill>
+                  <a:srgbClr val="FFC000"/>
+                </a:solidFill>
+                <a:latin typeface="+mj-ea"/>
+                <a:ea typeface="+mj-ea"/>
+              </a:rPr>
+              <a:t>실습 및 결과</a:t>
+            </a:r>
+            <a:endParaRPr lang="ko-KR" altLang="en-US" sz="2000" b="1" dirty="0">
+              <a:latin typeface="+mj-ea"/>
+              <a:ea typeface="+mj-ea"/>
+            </a:endParaRPr>
+          </a:p>
+        </p:txBody>
+      </p:sp>
+      <p:sp>
+        <p:nvSpPr>
+          <p:cNvPr id="1024" name="슬라이드 번호 개체 틀 1023">
+            <a:extLst>
+              <a:ext uri="{FF2B5EF4-FFF2-40B4-BE49-F238E27FC236}">
+                <a16:creationId xmlns="" xmlns:a16="http://schemas.microsoft.com/office/drawing/2014/main" id="{D7ECFDE3-EB78-4198-B1C1-7576EBEBD0EA}"/>
+              </a:ext>
+            </a:extLst>
+          </p:cNvPr>
+          <p:cNvSpPr>
+            <a:spLocks noGrp="1"/>
+          </p:cNvSpPr>
+          <p:nvPr>
+            <p:ph type="sldNum" sz="quarter" idx="12"/>
+          </p:nvPr>
+        </p:nvSpPr>
+        <p:spPr>
+          <a:xfrm>
+            <a:off x="11234109" y="6388325"/>
+            <a:ext cx="753545" cy="365125"/>
+          </a:xfrm>
+        </p:spPr>
+        <p:txBody>
+          <a:bodyPr/>
+          <a:lstStyle/>
+          <a:p>
+            <a:fld id="{F4ABE7AD-7D80-45E6-9B72-991AAE1BF4C2}" type="slidenum">
+              <a:rPr lang="ko-KR" altLang="en-US" smtClean="0"/>
+              <a:t>23</a:t>
+            </a:fld>
             <a:endParaRPr lang="ko-KR" altLang="en-US"/>
           </a:p>
         </p:txBody>
       </p:sp>
       <p:sp>
         <p:nvSpPr>
-          <p:cNvPr id="14" name="직사각형 13"/>
+          <p:cNvPr id="62" name="직사각형 61">
+            <a:extLst>
+              <a:ext uri="{FF2B5EF4-FFF2-40B4-BE49-F238E27FC236}">
+                <a16:creationId xmlns="" xmlns:a16="http://schemas.microsoft.com/office/drawing/2014/main" id="{70B01BF8-29D3-4D23-BC64-0489F3113852}"/>
+              </a:ext>
+            </a:extLst>
+          </p:cNvPr>
           <p:cNvSpPr/>
           <p:nvPr/>
         </p:nvSpPr>
         <p:spPr>
           <a:xfrm>
-            <a:off x="7536160" y="4021882"/>
-            <a:ext cx="4248472" cy="199205"/>
+            <a:off x="-143" y="1019614"/>
+            <a:ext cx="12192000" cy="5256584"/>
           </a:xfrm>
           <a:prstGeom prst="rect">
             <a:avLst/>
           </a:prstGeom>
-          <a:noFill/>
-          <a:ln w="25400">
-            <a:solidFill>
-              <a:srgbClr val="FF0000"/>
-            </a:solidFill>
-            <a:prstDash val="sysDash"/>
+          <a:solidFill>
+            <a:schemeClr val="tx1"/>
+          </a:solidFill>
+          <a:ln>
+            <a:noFill/>
           </a:ln>
         </p:spPr>
         <p:style>
@@ -13731,108 +13749,615 @@
           <a:lstStyle/>
           <a:p>
             <a:pPr algn="ctr"/>
-            <a:endParaRPr lang="ko-KR" altLang="en-US"/>
-          </a:p>
-        </p:txBody>
-      </p:sp>
-      <p:sp>
-        <p:nvSpPr>
-          <p:cNvPr id="15" name="직사각형 14"/>
-          <p:cNvSpPr/>
+            <a:endParaRPr lang="ko-KR" altLang="en-US" dirty="0"/>
+          </a:p>
+        </p:txBody>
+      </p:sp>
+      <p:pic>
+        <p:nvPicPr>
+          <p:cNvPr id="8" name="Picture 2" descr="롯데정보통신, '랄프체인'으로 블록체인 Si 솔루션 도전"/>
+          <p:cNvPicPr>
+            <a:picLocks noChangeAspect="1" noChangeArrowheads="1"/>
+          </p:cNvPicPr>
           <p:nvPr/>
-        </p:nvSpPr>
-        <p:spPr>
-          <a:xfrm>
-            <a:off x="7536160" y="4653136"/>
-            <a:ext cx="4248472" cy="199205"/>
+        </p:nvPicPr>
+        <p:blipFill rotWithShape="1">
+          <a:blip r:embed="rId2" cstate="print">
+            <a:extLst>
+              <a:ext uri="{28A0092B-C50C-407E-A947-70E740481C1C}">
+                <a14:useLocalDpi xmlns:a14="http://schemas.microsoft.com/office/drawing/2010/main" val="0"/>
+              </a:ext>
+            </a:extLst>
+          </a:blip>
+          <a:srcRect t="20471"/>
+          <a:stretch/>
+        </p:blipFill>
+        <p:spPr bwMode="auto">
+          <a:xfrm>
+            <a:off x="9624392" y="116632"/>
+            <a:ext cx="2448272" cy="869700"/>
+          </a:xfrm>
+          <a:prstGeom prst="rect">
+            <a:avLst/>
+          </a:prstGeom>
+          <a:solidFill>
+            <a:srgbClr val="FF0000"/>
+          </a:solidFill>
+          <a:effectLst>
+            <a:softEdge rad="127000"/>
+          </a:effectLst>
+        </p:spPr>
+      </p:pic>
+      <p:sp>
+        <p:nvSpPr>
+          <p:cNvPr id="3" name="TextBox 2"/>
+          <p:cNvSpPr txBox="1"/>
+          <p:nvPr/>
+        </p:nvSpPr>
+        <p:spPr>
+          <a:xfrm>
+            <a:off x="1570832" y="366816"/>
+            <a:ext cx="3445048" cy="369332"/>
           </a:xfrm>
           <a:prstGeom prst="rect">
             <a:avLst/>
           </a:prstGeom>
           <a:noFill/>
-          <a:ln w="25400">
+        </p:spPr>
+        <p:txBody>
+          <a:bodyPr wrap="square" rtlCol="0">
+            <a:spAutoFit/>
+          </a:bodyPr>
+          <a:lstStyle/>
+          <a:p>
+            <a:r>
+              <a:rPr lang="en-US" altLang="ko-KR" b="1" dirty="0" smtClean="0">
+                <a:latin typeface="+mj-ea"/>
+              </a:rPr>
+              <a:t>      2) Test </a:t>
+            </a:r>
+            <a:r>
+              <a:rPr lang="ko-KR" altLang="en-US" b="1" dirty="0" smtClean="0">
+                <a:latin typeface="+mj-ea"/>
+              </a:rPr>
+              <a:t>결과</a:t>
+            </a:r>
+            <a:endParaRPr lang="ko-KR" altLang="en-US" b="1" dirty="0">
+              <a:latin typeface="+mj-ea"/>
+            </a:endParaRPr>
+          </a:p>
+        </p:txBody>
+      </p:sp>
+      <p:pic>
+        <p:nvPicPr>
+          <p:cNvPr id="10" name="Picture 3"/>
+          <p:cNvPicPr>
+            <a:picLocks noChangeAspect="1" noChangeArrowheads="1"/>
+          </p:cNvPicPr>
+          <p:nvPr/>
+        </p:nvPicPr>
+        <p:blipFill>
+          <a:blip r:embed="rId3">
+            <a:extLst>
+              <a:ext uri="{28A0092B-C50C-407E-A947-70E740481C1C}">
+                <a14:useLocalDpi xmlns:a14="http://schemas.microsoft.com/office/drawing/2010/main" val="0"/>
+              </a:ext>
+            </a:extLst>
+          </a:blip>
+          <a:srcRect/>
+          <a:stretch>
+            <a:fillRect/>
+          </a:stretch>
+        </p:blipFill>
+        <p:spPr bwMode="auto">
+          <a:xfrm>
+            <a:off x="1166930" y="1606649"/>
+            <a:ext cx="2095500" cy="504056"/>
+          </a:xfrm>
+          <a:prstGeom prst="rect">
+            <a:avLst/>
+          </a:prstGeom>
+          <a:noFill/>
+          <a:ln>
+            <a:noFill/>
+          </a:ln>
+          <a:extLst>
+            <a:ext uri="{909E8E84-426E-40DD-AFC4-6F175D3DCCD1}">
+              <a14:hiddenFill xmlns:a14="http://schemas.microsoft.com/office/drawing/2010/main">
+                <a:solidFill>
+                  <a:schemeClr val="accent1"/>
+                </a:solidFill>
+              </a14:hiddenFill>
+            </a:ext>
+            <a:ext uri="{91240B29-F687-4F45-9708-019B960494DF}">
+              <a14:hiddenLine xmlns:a14="http://schemas.microsoft.com/office/drawing/2010/main" w="9525">
+                <a:solidFill>
+                  <a:schemeClr val="tx1"/>
+                </a:solidFill>
+                <a:miter lim="800000"/>
+                <a:headEnd/>
+                <a:tailEnd/>
+              </a14:hiddenLine>
+            </a:ext>
+          </a:extLst>
+        </p:spPr>
+      </p:pic>
+      <p:pic>
+        <p:nvPicPr>
+          <p:cNvPr id="2050" name="Picture 2"/>
+          <p:cNvPicPr>
+            <a:picLocks noChangeAspect="1" noChangeArrowheads="1"/>
+          </p:cNvPicPr>
+          <p:nvPr/>
+        </p:nvPicPr>
+        <p:blipFill>
+          <a:blip r:embed="rId4">
+            <a:extLst>
+              <a:ext uri="{28A0092B-C50C-407E-A947-70E740481C1C}">
+                <a14:useLocalDpi xmlns:a14="http://schemas.microsoft.com/office/drawing/2010/main" val="0"/>
+              </a:ext>
+            </a:extLst>
+          </a:blip>
+          <a:srcRect/>
+          <a:stretch>
+            <a:fillRect/>
+          </a:stretch>
+        </p:blipFill>
+        <p:spPr bwMode="auto">
+          <a:xfrm>
+            <a:off x="987624" y="2110705"/>
+            <a:ext cx="3668216" cy="3838575"/>
+          </a:xfrm>
+          <a:prstGeom prst="rect">
+            <a:avLst/>
+          </a:prstGeom>
+          <a:noFill/>
+          <a:ln>
+            <a:noFill/>
+          </a:ln>
+          <a:extLst>
+            <a:ext uri="{909E8E84-426E-40DD-AFC4-6F175D3DCCD1}">
+              <a14:hiddenFill xmlns:a14="http://schemas.microsoft.com/office/drawing/2010/main">
+                <a:solidFill>
+                  <a:schemeClr val="accent1"/>
+                </a:solidFill>
+              </a14:hiddenFill>
+            </a:ext>
+            <a:ext uri="{91240B29-F687-4F45-9708-019B960494DF}">
+              <a14:hiddenLine xmlns:a14="http://schemas.microsoft.com/office/drawing/2010/main" w="9525">
+                <a:solidFill>
+                  <a:schemeClr val="tx1"/>
+                </a:solidFill>
+                <a:miter lim="800000"/>
+                <a:headEnd/>
+                <a:tailEnd/>
+              </a14:hiddenLine>
+            </a:ext>
+          </a:extLst>
+        </p:spPr>
+      </p:pic>
+      <p:cxnSp>
+        <p:nvCxnSpPr>
+          <p:cNvPr id="7" name="직선 화살표 연결선 6"/>
+          <p:cNvCxnSpPr/>
+          <p:nvPr/>
+        </p:nvCxnSpPr>
+        <p:spPr>
+          <a:xfrm>
+            <a:off x="4151784" y="2398737"/>
+            <a:ext cx="720080" cy="0"/>
+          </a:xfrm>
+          <a:prstGeom prst="straightConnector1">
+            <a:avLst/>
+          </a:prstGeom>
+          <a:ln w="38100">
             <a:solidFill>
               <a:srgbClr val="FF0000"/>
             </a:solidFill>
-            <a:prstDash val="sysDash"/>
+            <a:tailEnd type="arrow"/>
           </a:ln>
         </p:spPr>
         <p:style>
-          <a:lnRef idx="2">
-            <a:schemeClr val="accent1">
-              <a:shade val="50000"/>
-            </a:schemeClr>
+          <a:lnRef idx="1">
+            <a:schemeClr val="accent1"/>
           </a:lnRef>
-          <a:fillRef idx="1">
+          <a:fillRef idx="0">
             <a:schemeClr val="accent1"/>
           </a:fillRef>
           <a:effectRef idx="0">
             <a:schemeClr val="accent1"/>
           </a:effectRef>
           <a:fontRef idx="minor">
-            <a:schemeClr val="lt1"/>
+            <a:schemeClr val="tx1"/>
           </a:fontRef>
         </p:style>
-        <p:txBody>
-          <a:bodyPr rtlCol="0" anchor="ctr"/>
-          <a:lstStyle/>
-          <a:p>
-            <a:pPr algn="ctr"/>
-            <a:endParaRPr lang="ko-KR" altLang="en-US"/>
-          </a:p>
-        </p:txBody>
-      </p:sp>
-      <p:sp>
-        <p:nvSpPr>
-          <p:cNvPr id="16" name="직사각형 15"/>
-          <p:cNvSpPr/>
+      </p:cxnSp>
+      <p:cxnSp>
+        <p:nvCxnSpPr>
+          <p:cNvPr id="11" name="직선 화살표 연결선 10"/>
+          <p:cNvCxnSpPr/>
           <p:nvPr/>
-        </p:nvSpPr>
-        <p:spPr>
-          <a:xfrm>
-            <a:off x="7536160" y="3448701"/>
-            <a:ext cx="4248472" cy="199205"/>
-          </a:xfrm>
-          <a:prstGeom prst="rect">
+        </p:nvCxnSpPr>
+        <p:spPr>
+          <a:xfrm>
+            <a:off x="4151784" y="5423073"/>
+            <a:ext cx="720080" cy="0"/>
+          </a:xfrm>
+          <a:prstGeom prst="straightConnector1">
             <a:avLst/>
           </a:prstGeom>
-          <a:noFill/>
-          <a:ln w="25400">
+          <a:ln w="38100">
             <a:solidFill>
               <a:srgbClr val="FF0000"/>
             </a:solidFill>
-            <a:prstDash val="sysDash"/>
+            <a:tailEnd type="arrow"/>
           </a:ln>
         </p:spPr>
         <p:style>
-          <a:lnRef idx="2">
-            <a:schemeClr val="accent1">
-              <a:shade val="50000"/>
-            </a:schemeClr>
+          <a:lnRef idx="1">
+            <a:schemeClr val="accent1"/>
           </a:lnRef>
-          <a:fillRef idx="1">
+          <a:fillRef idx="0">
             <a:schemeClr val="accent1"/>
           </a:fillRef>
           <a:effectRef idx="0">
             <a:schemeClr val="accent1"/>
           </a:effectRef>
           <a:fontRef idx="minor">
-            <a:schemeClr val="lt1"/>
+            <a:schemeClr val="tx1"/>
           </a:fontRef>
         </p:style>
-        <p:txBody>
-          <a:bodyPr rtlCol="0" anchor="ctr"/>
+      </p:cxnSp>
+      <p:sp>
+        <p:nvSpPr>
+          <p:cNvPr id="12" name="TextBox 11"/>
+          <p:cNvSpPr txBox="1"/>
+          <p:nvPr/>
+        </p:nvSpPr>
+        <p:spPr>
+          <a:xfrm>
+            <a:off x="4871864" y="2205642"/>
+            <a:ext cx="3600400" cy="369332"/>
+          </a:xfrm>
+          <a:prstGeom prst="rect">
+            <a:avLst/>
+          </a:prstGeom>
+          <a:noFill/>
+        </p:spPr>
+        <p:txBody>
+          <a:bodyPr wrap="square" rtlCol="0">
+            <a:spAutoFit/>
+          </a:bodyPr>
           <a:lstStyle/>
           <a:p>
-            <a:pPr algn="ctr"/>
-            <a:endParaRPr lang="ko-KR" altLang="en-US"/>
+            <a:r>
+              <a:rPr lang="ko-KR" altLang="en-US" b="1" dirty="0" err="1" smtClean="0">
+                <a:solidFill>
+                  <a:schemeClr val="bg1"/>
+                </a:solidFill>
+              </a:rPr>
+              <a:t>버터링</a:t>
+            </a:r>
+            <a:endParaRPr lang="ko-KR" altLang="en-US" b="1" dirty="0">
+              <a:solidFill>
+                <a:schemeClr val="bg1"/>
+              </a:solidFill>
+            </a:endParaRPr>
+          </a:p>
+        </p:txBody>
+      </p:sp>
+      <p:sp>
+        <p:nvSpPr>
+          <p:cNvPr id="18" name="TextBox 17"/>
+          <p:cNvSpPr txBox="1"/>
+          <p:nvPr/>
+        </p:nvSpPr>
+        <p:spPr>
+          <a:xfrm>
+            <a:off x="4872856" y="5238407"/>
+            <a:ext cx="3600400" cy="369332"/>
+          </a:xfrm>
+          <a:prstGeom prst="rect">
+            <a:avLst/>
+          </a:prstGeom>
+          <a:noFill/>
+        </p:spPr>
+        <p:txBody>
+          <a:bodyPr wrap="square" rtlCol="0">
+            <a:spAutoFit/>
+          </a:bodyPr>
+          <a:lstStyle/>
+          <a:p>
+            <a:r>
+              <a:rPr lang="ko-KR" altLang="en-US" b="1" dirty="0" smtClean="0">
+                <a:solidFill>
+                  <a:schemeClr val="bg1"/>
+                </a:solidFill>
+              </a:rPr>
+              <a:t>칠성 사이다</a:t>
+            </a:r>
+            <a:endParaRPr lang="ko-KR" altLang="en-US" b="1" dirty="0">
+              <a:solidFill>
+                <a:schemeClr val="bg1"/>
+              </a:solidFill>
+            </a:endParaRPr>
+          </a:p>
+        </p:txBody>
+      </p:sp>
+      <p:pic>
+        <p:nvPicPr>
+          <p:cNvPr id="1026" name="Picture 2"/>
+          <p:cNvPicPr>
+            <a:picLocks noChangeAspect="1" noChangeArrowheads="1"/>
+          </p:cNvPicPr>
+          <p:nvPr/>
+        </p:nvPicPr>
+        <p:blipFill>
+          <a:blip r:embed="rId5">
+            <a:extLst>
+              <a:ext uri="{28A0092B-C50C-407E-A947-70E740481C1C}">
+                <a14:useLocalDpi xmlns:a14="http://schemas.microsoft.com/office/drawing/2010/main" val="0"/>
+              </a:ext>
+            </a:extLst>
+          </a:blip>
+          <a:srcRect/>
+          <a:stretch>
+            <a:fillRect/>
+          </a:stretch>
+        </p:blipFill>
+        <p:spPr bwMode="auto">
+          <a:xfrm>
+            <a:off x="7680176" y="1606649"/>
+            <a:ext cx="2376264" cy="504056"/>
+          </a:xfrm>
+          <a:prstGeom prst="rect">
+            <a:avLst/>
+          </a:prstGeom>
+          <a:noFill/>
+          <a:ln>
+            <a:noFill/>
+          </a:ln>
+          <a:extLst>
+            <a:ext uri="{909E8E84-426E-40DD-AFC4-6F175D3DCCD1}">
+              <a14:hiddenFill xmlns:a14="http://schemas.microsoft.com/office/drawing/2010/main">
+                <a:solidFill>
+                  <a:schemeClr val="accent1"/>
+                </a:solidFill>
+              </a14:hiddenFill>
+            </a:ext>
+            <a:ext uri="{91240B29-F687-4F45-9708-019B960494DF}">
+              <a14:hiddenLine xmlns:a14="http://schemas.microsoft.com/office/drawing/2010/main" w="9525">
+                <a:solidFill>
+                  <a:schemeClr val="tx1"/>
+                </a:solidFill>
+                <a:miter lim="800000"/>
+                <a:headEnd/>
+                <a:tailEnd/>
+              </a14:hiddenLine>
+            </a:ext>
+          </a:extLst>
+        </p:spPr>
+      </p:pic>
+      <p:sp>
+        <p:nvSpPr>
+          <p:cNvPr id="2" name="TextBox 1"/>
+          <p:cNvSpPr txBox="1"/>
+          <p:nvPr/>
+        </p:nvSpPr>
+        <p:spPr>
+          <a:xfrm>
+            <a:off x="767408" y="1196752"/>
+            <a:ext cx="10729192" cy="369332"/>
+          </a:xfrm>
+          <a:prstGeom prst="rect">
+            <a:avLst/>
+          </a:prstGeom>
+          <a:noFill/>
+        </p:spPr>
+        <p:txBody>
+          <a:bodyPr wrap="square" rtlCol="0">
+            <a:spAutoFit/>
+          </a:bodyPr>
+          <a:lstStyle/>
+          <a:p>
+            <a:r>
+              <a:rPr lang="en-US" altLang="ko-KR" dirty="0" smtClean="0">
+                <a:solidFill>
+                  <a:schemeClr val="bg1"/>
+                </a:solidFill>
+                <a:latin typeface="+mn-ea"/>
+              </a:rPr>
+              <a:t>1&gt; </a:t>
+            </a:r>
+            <a:r>
+              <a:rPr lang="en-US" altLang="ko-KR" dirty="0" err="1" smtClean="0">
+                <a:solidFill>
+                  <a:schemeClr val="bg1"/>
+                </a:solidFill>
+                <a:latin typeface="+mn-ea"/>
+              </a:rPr>
+              <a:t>MobileNet</a:t>
+            </a:r>
+            <a:r>
+              <a:rPr lang="en-US" altLang="ko-KR" dirty="0" smtClean="0">
+                <a:solidFill>
+                  <a:schemeClr val="bg1"/>
+                </a:solidFill>
+                <a:latin typeface="+mn-ea"/>
+              </a:rPr>
+              <a:t> V2											2&gt; ResNet-50</a:t>
+            </a:r>
+            <a:endParaRPr lang="ko-KR" altLang="en-US" dirty="0">
+              <a:solidFill>
+                <a:schemeClr val="bg1"/>
+              </a:solidFill>
+              <a:latin typeface="+mn-ea"/>
+            </a:endParaRPr>
+          </a:p>
+        </p:txBody>
+      </p:sp>
+      <p:sp>
+        <p:nvSpPr>
+          <p:cNvPr id="9" name="TextBox 8"/>
+          <p:cNvSpPr txBox="1"/>
+          <p:nvPr/>
+        </p:nvSpPr>
+        <p:spPr>
+          <a:xfrm>
+            <a:off x="7392144" y="2110705"/>
+            <a:ext cx="5040560" cy="1754326"/>
+          </a:xfrm>
+          <a:prstGeom prst="rect">
+            <a:avLst/>
+          </a:prstGeom>
+          <a:noFill/>
+        </p:spPr>
+        <p:txBody>
+          <a:bodyPr wrap="square" rtlCol="0">
+            <a:spAutoFit/>
+          </a:bodyPr>
+          <a:lstStyle/>
+          <a:p>
+            <a:pPr marL="285750" indent="-285750">
+              <a:lnSpc>
+                <a:spcPct val="150000"/>
+              </a:lnSpc>
+              <a:buFontTx/>
+              <a:buChar char="-"/>
+            </a:pPr>
+            <a:r>
+              <a:rPr lang="ko-KR" altLang="en-US" dirty="0" smtClean="0">
+                <a:solidFill>
+                  <a:schemeClr val="bg1"/>
+                </a:solidFill>
+                <a:latin typeface="+mn-ea"/>
+              </a:rPr>
+              <a:t>이후 </a:t>
+            </a:r>
+            <a:r>
+              <a:rPr lang="en-US" altLang="ko-KR" dirty="0" err="1" smtClean="0">
+                <a:solidFill>
+                  <a:schemeClr val="bg1"/>
+                </a:solidFill>
+                <a:latin typeface="+mn-ea"/>
+              </a:rPr>
+              <a:t>Augmenation</a:t>
+            </a:r>
+            <a:r>
+              <a:rPr lang="en-US" altLang="ko-KR" dirty="0" smtClean="0">
+                <a:solidFill>
+                  <a:schemeClr val="bg1"/>
+                </a:solidFill>
+                <a:latin typeface="+mn-ea"/>
+              </a:rPr>
+              <a:t> </a:t>
+            </a:r>
+            <a:r>
+              <a:rPr lang="ko-KR" altLang="en-US" dirty="0" smtClean="0">
+                <a:solidFill>
+                  <a:schemeClr val="bg1"/>
+                </a:solidFill>
+                <a:latin typeface="+mn-ea"/>
+              </a:rPr>
+              <a:t>추가 혹은 제거하여 성능을 비교할 예정</a:t>
+            </a:r>
+            <a:endParaRPr lang="en-US" altLang="ko-KR" dirty="0" smtClean="0">
+              <a:solidFill>
+                <a:schemeClr val="bg1"/>
+              </a:solidFill>
+              <a:latin typeface="+mn-ea"/>
+            </a:endParaRPr>
+          </a:p>
+          <a:p>
+            <a:pPr marL="285750" indent="-285750">
+              <a:lnSpc>
+                <a:spcPct val="150000"/>
+              </a:lnSpc>
+              <a:buFontTx/>
+              <a:buChar char="-"/>
+            </a:pPr>
+            <a:endParaRPr lang="en-US" altLang="ko-KR" dirty="0">
+              <a:solidFill>
+                <a:schemeClr val="bg1"/>
+              </a:solidFill>
+              <a:latin typeface="+mn-ea"/>
+            </a:endParaRPr>
+          </a:p>
+          <a:p>
+            <a:pPr marL="285750" indent="-285750">
+              <a:lnSpc>
+                <a:spcPct val="150000"/>
+              </a:lnSpc>
+              <a:buFontTx/>
+              <a:buChar char="-"/>
+            </a:pPr>
+            <a:r>
+              <a:rPr lang="en-US" altLang="ko-KR" dirty="0" smtClean="0">
+                <a:solidFill>
+                  <a:schemeClr val="bg1"/>
+                </a:solidFill>
+                <a:latin typeface="+mn-ea"/>
+              </a:rPr>
+              <a:t>Class </a:t>
+            </a:r>
+            <a:r>
+              <a:rPr lang="ko-KR" altLang="en-US" dirty="0" smtClean="0">
+                <a:solidFill>
+                  <a:schemeClr val="bg1"/>
+                </a:solidFill>
+                <a:latin typeface="+mn-ea"/>
+              </a:rPr>
+              <a:t>별로 </a:t>
+            </a:r>
+            <a:r>
+              <a:rPr lang="en-US" altLang="ko-KR" dirty="0" smtClean="0">
+                <a:solidFill>
+                  <a:schemeClr val="bg1"/>
+                </a:solidFill>
+                <a:latin typeface="+mn-ea"/>
+              </a:rPr>
+              <a:t>Accuracy</a:t>
+            </a:r>
+            <a:r>
+              <a:rPr lang="ko-KR" altLang="en-US" dirty="0" smtClean="0">
+                <a:solidFill>
+                  <a:schemeClr val="bg1"/>
+                </a:solidFill>
+                <a:latin typeface="+mn-ea"/>
+              </a:rPr>
+              <a:t>를 </a:t>
+            </a:r>
+            <a:r>
+              <a:rPr lang="en-US" altLang="ko-KR" dirty="0" smtClean="0">
+                <a:solidFill>
+                  <a:schemeClr val="bg1"/>
+                </a:solidFill>
+                <a:latin typeface="+mn-ea"/>
+              </a:rPr>
+              <a:t>test </a:t>
+            </a:r>
+            <a:r>
+              <a:rPr lang="ko-KR" altLang="en-US" dirty="0" smtClean="0">
+                <a:solidFill>
+                  <a:schemeClr val="bg1"/>
+                </a:solidFill>
+                <a:latin typeface="+mn-ea"/>
+              </a:rPr>
+              <a:t>할 예정</a:t>
+            </a:r>
+            <a:endParaRPr lang="en-US" altLang="ko-KR" dirty="0" smtClean="0">
+              <a:solidFill>
+                <a:schemeClr val="bg1"/>
+              </a:solidFill>
+              <a:latin typeface="+mn-ea"/>
+            </a:endParaRPr>
           </a:p>
         </p:txBody>
       </p:sp>
     </p:spTree>
     <p:extLst>
       <p:ext uri="{BB962C8B-B14F-4D97-AF65-F5344CB8AC3E}">
-        <p14:creationId xmlns:p14="http://schemas.microsoft.com/office/powerpoint/2010/main" val="2769014661"/>
+        <p14:creationId xmlns:p14="http://schemas.microsoft.com/office/powerpoint/2010/main" val="3461886206"/>
       </p:ext>
     </p:extLst>
   </p:cSld>
@@ -13842,237 +14367,14 @@
   <p:timing>
     <p:tnLst>
       <p:par>
-        <p:cTn id="1" dur="indefinite" restart="never" nodeType="tmRoot">
-          <p:childTnLst>
-            <p:seq concurrent="1" nextAc="seek">
-              <p:cTn id="2" dur="indefinite" nodeType="mainSeq">
-                <p:childTnLst>
-                  <p:par>
-                    <p:cTn id="3" fill="hold">
-                      <p:stCondLst>
-                        <p:cond delay="indefinite"/>
-                      </p:stCondLst>
-                      <p:childTnLst>
-                        <p:par>
-                          <p:cTn id="4" fill="hold">
-                            <p:stCondLst>
-                              <p:cond delay="0"/>
-                            </p:stCondLst>
-                            <p:childTnLst>
-                              <p:par>
-                                <p:cTn id="5" presetID="16" presetClass="entr" presetSubtype="21" fill="hold" grpId="0" nodeType="clickEffect">
-                                  <p:stCondLst>
-                                    <p:cond delay="0"/>
-                                  </p:stCondLst>
-                                  <p:childTnLst>
-                                    <p:set>
-                                      <p:cBhvr>
-                                        <p:cTn id="6" dur="1" fill="hold">
-                                          <p:stCondLst>
-                                            <p:cond delay="0"/>
-                                          </p:stCondLst>
-                                        </p:cTn>
-                                        <p:tgtEl>
-                                          <p:spTgt spid="6"/>
-                                        </p:tgtEl>
-                                        <p:attrNameLst>
-                                          <p:attrName>style.visibility</p:attrName>
-                                        </p:attrNameLst>
-                                      </p:cBhvr>
-                                      <p:to>
-                                        <p:strVal val="visible"/>
-                                      </p:to>
-                                    </p:set>
-                                    <p:animEffect transition="in" filter="barn(inVertical)">
-                                      <p:cBhvr>
-                                        <p:cTn id="7" dur="500"/>
-                                        <p:tgtEl>
-                                          <p:spTgt spid="6"/>
-                                        </p:tgtEl>
-                                      </p:cBhvr>
-                                    </p:animEffect>
-                                  </p:childTnLst>
-                                </p:cTn>
-                              </p:par>
-                            </p:childTnLst>
-                          </p:cTn>
-                        </p:par>
-                      </p:childTnLst>
-                    </p:cTn>
-                  </p:par>
-                  <p:par>
-                    <p:cTn id="8" fill="hold">
-                      <p:stCondLst>
-                        <p:cond delay="indefinite"/>
-                      </p:stCondLst>
-                      <p:childTnLst>
-                        <p:par>
-                          <p:cTn id="9" fill="hold">
-                            <p:stCondLst>
-                              <p:cond delay="0"/>
-                            </p:stCondLst>
-                            <p:childTnLst>
-                              <p:par>
-                                <p:cTn id="10" presetID="16" presetClass="entr" presetSubtype="21" fill="hold" grpId="0" nodeType="clickEffect">
-                                  <p:stCondLst>
-                                    <p:cond delay="0"/>
-                                  </p:stCondLst>
-                                  <p:childTnLst>
-                                    <p:set>
-                                      <p:cBhvr>
-                                        <p:cTn id="11" dur="1" fill="hold">
-                                          <p:stCondLst>
-                                            <p:cond delay="0"/>
-                                          </p:stCondLst>
-                                        </p:cTn>
-                                        <p:tgtEl>
-                                          <p:spTgt spid="14"/>
-                                        </p:tgtEl>
-                                        <p:attrNameLst>
-                                          <p:attrName>style.visibility</p:attrName>
-                                        </p:attrNameLst>
-                                      </p:cBhvr>
-                                      <p:to>
-                                        <p:strVal val="visible"/>
-                                      </p:to>
-                                    </p:set>
-                                    <p:animEffect transition="in" filter="barn(inVertical)">
-                                      <p:cBhvr>
-                                        <p:cTn id="12" dur="500"/>
-                                        <p:tgtEl>
-                                          <p:spTgt spid="14"/>
-                                        </p:tgtEl>
-                                      </p:cBhvr>
-                                    </p:animEffect>
-                                  </p:childTnLst>
-                                </p:cTn>
-                              </p:par>
-                            </p:childTnLst>
-                          </p:cTn>
-                        </p:par>
-                      </p:childTnLst>
-                    </p:cTn>
-                  </p:par>
-                  <p:par>
-                    <p:cTn id="13" fill="hold">
-                      <p:stCondLst>
-                        <p:cond delay="indefinite"/>
-                      </p:stCondLst>
-                      <p:childTnLst>
-                        <p:par>
-                          <p:cTn id="14" fill="hold">
-                            <p:stCondLst>
-                              <p:cond delay="0"/>
-                            </p:stCondLst>
-                            <p:childTnLst>
-                              <p:par>
-                                <p:cTn id="15" presetID="16" presetClass="entr" presetSubtype="21" fill="hold" grpId="0" nodeType="clickEffect">
-                                  <p:stCondLst>
-                                    <p:cond delay="0"/>
-                                  </p:stCondLst>
-                                  <p:childTnLst>
-                                    <p:set>
-                                      <p:cBhvr>
-                                        <p:cTn id="16" dur="1" fill="hold">
-                                          <p:stCondLst>
-                                            <p:cond delay="0"/>
-                                          </p:stCondLst>
-                                        </p:cTn>
-                                        <p:tgtEl>
-                                          <p:spTgt spid="15"/>
-                                        </p:tgtEl>
-                                        <p:attrNameLst>
-                                          <p:attrName>style.visibility</p:attrName>
-                                        </p:attrNameLst>
-                                      </p:cBhvr>
-                                      <p:to>
-                                        <p:strVal val="visible"/>
-                                      </p:to>
-                                    </p:set>
-                                    <p:animEffect transition="in" filter="barn(inVertical)">
-                                      <p:cBhvr>
-                                        <p:cTn id="17" dur="500"/>
-                                        <p:tgtEl>
-                                          <p:spTgt spid="15"/>
-                                        </p:tgtEl>
-                                      </p:cBhvr>
-                                    </p:animEffect>
-                                  </p:childTnLst>
-                                </p:cTn>
-                              </p:par>
-                              <p:par>
-                                <p:cTn id="18" presetID="16" presetClass="entr" presetSubtype="21" fill="hold" grpId="0" nodeType="withEffect">
-                                  <p:stCondLst>
-                                    <p:cond delay="0"/>
-                                  </p:stCondLst>
-                                  <p:childTnLst>
-                                    <p:set>
-                                      <p:cBhvr>
-                                        <p:cTn id="19" dur="1" fill="hold">
-                                          <p:stCondLst>
-                                            <p:cond delay="0"/>
-                                          </p:stCondLst>
-                                        </p:cTn>
-                                        <p:tgtEl>
-                                          <p:spTgt spid="16"/>
-                                        </p:tgtEl>
-                                        <p:attrNameLst>
-                                          <p:attrName>style.visibility</p:attrName>
-                                        </p:attrNameLst>
-                                      </p:cBhvr>
-                                      <p:to>
-                                        <p:strVal val="visible"/>
-                                      </p:to>
-                                    </p:set>
-                                    <p:animEffect transition="in" filter="barn(inVertical)">
-                                      <p:cBhvr>
-                                        <p:cTn id="20" dur="500"/>
-                                        <p:tgtEl>
-                                          <p:spTgt spid="16"/>
-                                        </p:tgtEl>
-                                      </p:cBhvr>
-                                    </p:animEffect>
-                                  </p:childTnLst>
-                                </p:cTn>
-                              </p:par>
-                            </p:childTnLst>
-                          </p:cTn>
-                        </p:par>
-                      </p:childTnLst>
-                    </p:cTn>
-                  </p:par>
-                </p:childTnLst>
-              </p:cTn>
-              <p:prevCondLst>
-                <p:cond evt="onPrev" delay="0">
-                  <p:tgtEl>
-                    <p:sldTgt/>
-                  </p:tgtEl>
-                </p:cond>
-              </p:prevCondLst>
-              <p:nextCondLst>
-                <p:cond evt="onNext" delay="0">
-                  <p:tgtEl>
-                    <p:sldTgt/>
-                  </p:tgtEl>
-                </p:cond>
-              </p:nextCondLst>
-            </p:seq>
-          </p:childTnLst>
-        </p:cTn>
+        <p:cTn id="1" dur="indefinite" restart="never" nodeType="tmRoot"/>
       </p:par>
     </p:tnLst>
-    <p:bldLst>
-      <p:bldP spid="6" grpId="0" animBg="1"/>
-      <p:bldP spid="14" grpId="0" animBg="1"/>
-      <p:bldP spid="15" grpId="0" animBg="1"/>
-      <p:bldP spid="16" grpId="0" animBg="1"/>
-    </p:bldLst>
   </p:timing>
 </p:sld>
 </file>
 
-<file path=ppt/slides/slide22.xml><?xml version="1.0" encoding="utf-8"?>
+<file path=ppt/slides/slide24.xml><?xml version="1.0" encoding="utf-8"?>
 <p:sld xmlns:a="http://schemas.openxmlformats.org/drawingml/2006/main" xmlns:r="http://schemas.openxmlformats.org/officeDocument/2006/relationships" xmlns:p="http://schemas.openxmlformats.org/presentationml/2006/main" showMasterSp="0">
   <p:cSld>
     <p:spTree>
@@ -14094,7 +14396,7 @@
           <p:cNvPr id="1024" name="슬라이드 번호 개체 틀 1023">
             <a:extLst>
               <a:ext uri="{FF2B5EF4-FFF2-40B4-BE49-F238E27FC236}">
-                <a16:creationId xmlns:a16="http://schemas.microsoft.com/office/drawing/2014/main" xmlns="" id="{D7ECFDE3-EB78-4198-B1C1-7576EBEBD0EA}"/>
+                <a16:creationId xmlns="" xmlns:a16="http://schemas.microsoft.com/office/drawing/2014/main" id="{D7ECFDE3-EB78-4198-B1C1-7576EBEBD0EA}"/>
               </a:ext>
             </a:extLst>
           </p:cNvPr>
@@ -14117,7 +14419,7 @@
           <a:p>
             <a:fld id="{F4ABE7AD-7D80-45E6-9B72-991AAE1BF4C2}" type="slidenum">
               <a:rPr lang="ko-KR" altLang="en-US" smtClean="0"/>
-              <a:t>22</a:t>
+              <a:t>24</a:t>
             </a:fld>
             <a:endParaRPr lang="ko-KR" altLang="en-US"/>
           </a:p>
@@ -14128,7 +14430,7 @@
           <p:cNvPr id="5" name="TextBox 4">
             <a:extLst>
               <a:ext uri="{FF2B5EF4-FFF2-40B4-BE49-F238E27FC236}">
-                <a16:creationId xmlns:a16="http://schemas.microsoft.com/office/drawing/2014/main" xmlns="" id="{18478785-7455-426F-B501-DBA892B7AE1C}"/>
+                <a16:creationId xmlns="" xmlns:a16="http://schemas.microsoft.com/office/drawing/2014/main" id="{18478785-7455-426F-B501-DBA892B7AE1C}"/>
               </a:ext>
             </a:extLst>
           </p:cNvPr>
@@ -14243,7 +14545,7 @@
           <p:cNvPr id="1024" name="슬라이드 번호 개체 틀 1023">
             <a:extLst>
               <a:ext uri="{FF2B5EF4-FFF2-40B4-BE49-F238E27FC236}">
-                <a16:creationId xmlns:a16="http://schemas.microsoft.com/office/drawing/2014/main" xmlns="" id="{D7ECFDE3-EB78-4198-B1C1-7576EBEBD0EA}"/>
+                <a16:creationId xmlns="" xmlns:a16="http://schemas.microsoft.com/office/drawing/2014/main" id="{D7ECFDE3-EB78-4198-B1C1-7576EBEBD0EA}"/>
               </a:ext>
             </a:extLst>
           </p:cNvPr>
@@ -14277,7 +14579,7 @@
           <p:cNvPr id="5" name="TextBox 4">
             <a:extLst>
               <a:ext uri="{FF2B5EF4-FFF2-40B4-BE49-F238E27FC236}">
-                <a16:creationId xmlns:a16="http://schemas.microsoft.com/office/drawing/2014/main" xmlns="" id="{18478785-7455-426F-B501-DBA892B7AE1C}"/>
+                <a16:creationId xmlns="" xmlns:a16="http://schemas.microsoft.com/office/drawing/2014/main" id="{18478785-7455-426F-B501-DBA892B7AE1C}"/>
               </a:ext>
             </a:extLst>
           </p:cNvPr>
@@ -14409,7 +14711,7 @@
           <p:cNvPr id="129" name="직사각형 128">
             <a:extLst>
               <a:ext uri="{FF2B5EF4-FFF2-40B4-BE49-F238E27FC236}">
-                <a16:creationId xmlns:a16="http://schemas.microsoft.com/office/drawing/2014/main" xmlns="" id="{5F0B186A-DCA6-449E-954A-F4F42CC0D592}"/>
+                <a16:creationId xmlns="" xmlns:a16="http://schemas.microsoft.com/office/drawing/2014/main" id="{5F0B186A-DCA6-449E-954A-F4F42CC0D592}"/>
               </a:ext>
             </a:extLst>
           </p:cNvPr>
@@ -14493,7 +14795,7 @@
           <p:cNvPr id="1024" name="슬라이드 번호 개체 틀 1023">
             <a:extLst>
               <a:ext uri="{FF2B5EF4-FFF2-40B4-BE49-F238E27FC236}">
-                <a16:creationId xmlns:a16="http://schemas.microsoft.com/office/drawing/2014/main" xmlns="" id="{D7ECFDE3-EB78-4198-B1C1-7576EBEBD0EA}"/>
+                <a16:creationId xmlns="" xmlns:a16="http://schemas.microsoft.com/office/drawing/2014/main" id="{D7ECFDE3-EB78-4198-B1C1-7576EBEBD0EA}"/>
               </a:ext>
             </a:extLst>
           </p:cNvPr>
@@ -14527,7 +14829,7 @@
           <p:cNvPr id="62" name="직사각형 61">
             <a:extLst>
               <a:ext uri="{FF2B5EF4-FFF2-40B4-BE49-F238E27FC236}">
-                <a16:creationId xmlns:a16="http://schemas.microsoft.com/office/drawing/2014/main" xmlns="" id="{70B01BF8-29D3-4D23-BC64-0489F3113852}"/>
+                <a16:creationId xmlns="" xmlns:a16="http://schemas.microsoft.com/office/drawing/2014/main" id="{70B01BF8-29D3-4D23-BC64-0489F3113852}"/>
               </a:ext>
             </a:extLst>
           </p:cNvPr>
@@ -14791,7 +15093,7 @@
           <p:cNvPr id="129" name="직사각형 128">
             <a:extLst>
               <a:ext uri="{FF2B5EF4-FFF2-40B4-BE49-F238E27FC236}">
-                <a16:creationId xmlns:a16="http://schemas.microsoft.com/office/drawing/2014/main" xmlns="" id="{5F0B186A-DCA6-449E-954A-F4F42CC0D592}"/>
+                <a16:creationId xmlns="" xmlns:a16="http://schemas.microsoft.com/office/drawing/2014/main" id="{5F0B186A-DCA6-449E-954A-F4F42CC0D592}"/>
               </a:ext>
             </a:extLst>
           </p:cNvPr>
@@ -14875,7 +15177,7 @@
           <p:cNvPr id="1024" name="슬라이드 번호 개체 틀 1023">
             <a:extLst>
               <a:ext uri="{FF2B5EF4-FFF2-40B4-BE49-F238E27FC236}">
-                <a16:creationId xmlns:a16="http://schemas.microsoft.com/office/drawing/2014/main" xmlns="" id="{D7ECFDE3-EB78-4198-B1C1-7576EBEBD0EA}"/>
+                <a16:creationId xmlns="" xmlns:a16="http://schemas.microsoft.com/office/drawing/2014/main" id="{D7ECFDE3-EB78-4198-B1C1-7576EBEBD0EA}"/>
               </a:ext>
             </a:extLst>
           </p:cNvPr>
@@ -14909,7 +15211,7 @@
           <p:cNvPr id="62" name="직사각형 61">
             <a:extLst>
               <a:ext uri="{FF2B5EF4-FFF2-40B4-BE49-F238E27FC236}">
-                <a16:creationId xmlns:a16="http://schemas.microsoft.com/office/drawing/2014/main" xmlns="" id="{70B01BF8-29D3-4D23-BC64-0489F3113852}"/>
+                <a16:creationId xmlns="" xmlns:a16="http://schemas.microsoft.com/office/drawing/2014/main" id="{70B01BF8-29D3-4D23-BC64-0489F3113852}"/>
               </a:ext>
             </a:extLst>
           </p:cNvPr>
@@ -15173,7 +15475,7 @@
           <p:cNvPr id="129" name="직사각형 128">
             <a:extLst>
               <a:ext uri="{FF2B5EF4-FFF2-40B4-BE49-F238E27FC236}">
-                <a16:creationId xmlns:a16="http://schemas.microsoft.com/office/drawing/2014/main" xmlns="" id="{5F0B186A-DCA6-449E-954A-F4F42CC0D592}"/>
+                <a16:creationId xmlns="" xmlns:a16="http://schemas.microsoft.com/office/drawing/2014/main" id="{5F0B186A-DCA6-449E-954A-F4F42CC0D592}"/>
               </a:ext>
             </a:extLst>
           </p:cNvPr>
@@ -15257,7 +15559,7 @@
           <p:cNvPr id="1024" name="슬라이드 번호 개체 틀 1023">
             <a:extLst>
               <a:ext uri="{FF2B5EF4-FFF2-40B4-BE49-F238E27FC236}">
-                <a16:creationId xmlns:a16="http://schemas.microsoft.com/office/drawing/2014/main" xmlns="" id="{D7ECFDE3-EB78-4198-B1C1-7576EBEBD0EA}"/>
+                <a16:creationId xmlns="" xmlns:a16="http://schemas.microsoft.com/office/drawing/2014/main" id="{D7ECFDE3-EB78-4198-B1C1-7576EBEBD0EA}"/>
               </a:ext>
             </a:extLst>
           </p:cNvPr>
@@ -15291,7 +15593,7 @@
           <p:cNvPr id="62" name="직사각형 61">
             <a:extLst>
               <a:ext uri="{FF2B5EF4-FFF2-40B4-BE49-F238E27FC236}">
-                <a16:creationId xmlns:a16="http://schemas.microsoft.com/office/drawing/2014/main" xmlns="" id="{70B01BF8-29D3-4D23-BC64-0489F3113852}"/>
+                <a16:creationId xmlns="" xmlns:a16="http://schemas.microsoft.com/office/drawing/2014/main" id="{70B01BF8-29D3-4D23-BC64-0489F3113852}"/>
               </a:ext>
             </a:extLst>
           </p:cNvPr>
@@ -15638,7 +15940,7 @@
           <p:cNvPr id="129" name="직사각형 128">
             <a:extLst>
               <a:ext uri="{FF2B5EF4-FFF2-40B4-BE49-F238E27FC236}">
-                <a16:creationId xmlns:a16="http://schemas.microsoft.com/office/drawing/2014/main" xmlns="" id="{5F0B186A-DCA6-449E-954A-F4F42CC0D592}"/>
+                <a16:creationId xmlns="" xmlns:a16="http://schemas.microsoft.com/office/drawing/2014/main" id="{5F0B186A-DCA6-449E-954A-F4F42CC0D592}"/>
               </a:ext>
             </a:extLst>
           </p:cNvPr>
@@ -15722,7 +16024,7 @@
           <p:cNvPr id="1024" name="슬라이드 번호 개체 틀 1023">
             <a:extLst>
               <a:ext uri="{FF2B5EF4-FFF2-40B4-BE49-F238E27FC236}">
-                <a16:creationId xmlns:a16="http://schemas.microsoft.com/office/drawing/2014/main" xmlns="" id="{D7ECFDE3-EB78-4198-B1C1-7576EBEBD0EA}"/>
+                <a16:creationId xmlns="" xmlns:a16="http://schemas.microsoft.com/office/drawing/2014/main" id="{D7ECFDE3-EB78-4198-B1C1-7576EBEBD0EA}"/>
               </a:ext>
             </a:extLst>
           </p:cNvPr>
@@ -15756,7 +16058,7 @@
           <p:cNvPr id="62" name="직사각형 61">
             <a:extLst>
               <a:ext uri="{FF2B5EF4-FFF2-40B4-BE49-F238E27FC236}">
-                <a16:creationId xmlns:a16="http://schemas.microsoft.com/office/drawing/2014/main" xmlns="" id="{70B01BF8-29D3-4D23-BC64-0489F3113852}"/>
+                <a16:creationId xmlns="" xmlns:a16="http://schemas.microsoft.com/office/drawing/2014/main" id="{70B01BF8-29D3-4D23-BC64-0489F3113852}"/>
               </a:ext>
             </a:extLst>
           </p:cNvPr>
@@ -16205,7 +16507,7 @@
           <p:cNvPr id="129" name="직사각형 128">
             <a:extLst>
               <a:ext uri="{FF2B5EF4-FFF2-40B4-BE49-F238E27FC236}">
-                <a16:creationId xmlns:a16="http://schemas.microsoft.com/office/drawing/2014/main" xmlns="" id="{5F0B186A-DCA6-449E-954A-F4F42CC0D592}"/>
+                <a16:creationId xmlns="" xmlns:a16="http://schemas.microsoft.com/office/drawing/2014/main" id="{5F0B186A-DCA6-449E-954A-F4F42CC0D592}"/>
               </a:ext>
             </a:extLst>
           </p:cNvPr>
@@ -16289,7 +16591,7 @@
           <p:cNvPr id="1024" name="슬라이드 번호 개체 틀 1023">
             <a:extLst>
               <a:ext uri="{FF2B5EF4-FFF2-40B4-BE49-F238E27FC236}">
-                <a16:creationId xmlns:a16="http://schemas.microsoft.com/office/drawing/2014/main" xmlns="" id="{D7ECFDE3-EB78-4198-B1C1-7576EBEBD0EA}"/>
+                <a16:creationId xmlns="" xmlns:a16="http://schemas.microsoft.com/office/drawing/2014/main" id="{D7ECFDE3-EB78-4198-B1C1-7576EBEBD0EA}"/>
               </a:ext>
             </a:extLst>
           </p:cNvPr>
@@ -16323,7 +16625,7 @@
           <p:cNvPr id="62" name="직사각형 61">
             <a:extLst>
               <a:ext uri="{FF2B5EF4-FFF2-40B4-BE49-F238E27FC236}">
-                <a16:creationId xmlns:a16="http://schemas.microsoft.com/office/drawing/2014/main" xmlns="" id="{70B01BF8-29D3-4D23-BC64-0489F3113852}"/>
+                <a16:creationId xmlns="" xmlns:a16="http://schemas.microsoft.com/office/drawing/2014/main" id="{70B01BF8-29D3-4D23-BC64-0489F3113852}"/>
               </a:ext>
             </a:extLst>
           </p:cNvPr>
@@ -16622,7 +16924,7 @@
           <p:cNvPr id="129" name="직사각형 128">
             <a:extLst>
               <a:ext uri="{FF2B5EF4-FFF2-40B4-BE49-F238E27FC236}">
-                <a16:creationId xmlns:a16="http://schemas.microsoft.com/office/drawing/2014/main" xmlns="" id="{5F0B186A-DCA6-449E-954A-F4F42CC0D592}"/>
+                <a16:creationId xmlns="" xmlns:a16="http://schemas.microsoft.com/office/drawing/2014/main" id="{5F0B186A-DCA6-449E-954A-F4F42CC0D592}"/>
               </a:ext>
             </a:extLst>
           </p:cNvPr>
@@ -16706,7 +17008,7 @@
           <p:cNvPr id="1024" name="슬라이드 번호 개체 틀 1023">
             <a:extLst>
               <a:ext uri="{FF2B5EF4-FFF2-40B4-BE49-F238E27FC236}">
-                <a16:creationId xmlns:a16="http://schemas.microsoft.com/office/drawing/2014/main" xmlns="" id="{D7ECFDE3-EB78-4198-B1C1-7576EBEBD0EA}"/>
+                <a16:creationId xmlns="" xmlns:a16="http://schemas.microsoft.com/office/drawing/2014/main" id="{D7ECFDE3-EB78-4198-B1C1-7576EBEBD0EA}"/>
               </a:ext>
             </a:extLst>
           </p:cNvPr>
@@ -16740,7 +17042,7 @@
           <p:cNvPr id="62" name="직사각형 61">
             <a:extLst>
               <a:ext uri="{FF2B5EF4-FFF2-40B4-BE49-F238E27FC236}">
-                <a16:creationId xmlns:a16="http://schemas.microsoft.com/office/drawing/2014/main" xmlns="" id="{70B01BF8-29D3-4D23-BC64-0489F3113852}"/>
+                <a16:creationId xmlns="" xmlns:a16="http://schemas.microsoft.com/office/drawing/2014/main" id="{70B01BF8-29D3-4D23-BC64-0489F3113852}"/>
               </a:ext>
             </a:extLst>
           </p:cNvPr>
@@ -17399,7 +17701,7 @@
   <a:extraClrSchemeLst/>
   <a:extLst>
     <a:ext uri="{05A4C25C-085E-4340-85A3-A5531E510DB2}">
-      <thm15:themeFamily xmlns:thm15="http://schemas.microsoft.com/office/thememl/2012/main" xmlns="" name="Ion" id="{B8441ADB-2E43-4AF7-B97A-BD870242C6A8}" vid="{5A2F9111-B2DB-470C-BA56-608F9B658826}"/>
+      <thm15:themeFamily xmlns="" xmlns:thm15="http://schemas.microsoft.com/office/thememl/2012/main" name="Ion" id="{B8441ADB-2E43-4AF7-B97A-BD870242C6A8}" vid="{5A2F9111-B2DB-470C-BA56-608F9B658826}"/>
     </a:ext>
   </a:extLst>
 </a:theme>
@@ -17694,7 +17996,7 @@
   <a:extraClrSchemeLst/>
   <a:extLst>
     <a:ext uri="{05A4C25C-085E-4340-85A3-A5531E510DB2}">
-      <thm15:themeFamily xmlns:thm15="http://schemas.microsoft.com/office/thememl/2012/main" xmlns="" name="Office Theme" id="{62F939B6-93AF-4DB8-9C6B-D6C7DFDC589F}" vid="{4A3C46E8-61CC-4603-A589-7422A47A8E4A}"/>
+      <thm15:themeFamily xmlns="" xmlns:thm15="http://schemas.microsoft.com/office/thememl/2012/main" name="Office Theme" id="{62F939B6-93AF-4DB8-9C6B-D6C7DFDC589F}" vid="{4A3C46E8-61CC-4603-A589-7422A47A8E4A}"/>
     </a:ext>
   </a:extLst>
 </a:theme>
